--- a/ppt/7강.pptx
+++ b/ppt/7강.pptx
@@ -687,7 +687,7 @@
           <p:cNvPr id="7" name="그림 6">
             <a:extLst>
               <a:ext uri="{FF2B5EF4-FFF2-40B4-BE49-F238E27FC236}">
-                <a16:creationId xmlns:a16="http://schemas.microsoft.com/office/drawing/2014/main" id="{8A6F16AE-5C7F-4C39-9131-E235C6B6A612}"/>
+                <a16:creationId xmlns:a16="http://schemas.microsoft.com/office/drawing/2014/main" xmlns="" id="{8A6F16AE-5C7F-4C39-9131-E235C6B6A612}"/>
               </a:ext>
             </a:extLst>
           </p:cNvPr>
@@ -723,7 +723,7 @@
           <p:cNvPr id="8" name="TextBox 7">
             <a:extLst>
               <a:ext uri="{FF2B5EF4-FFF2-40B4-BE49-F238E27FC236}">
-                <a16:creationId xmlns:a16="http://schemas.microsoft.com/office/drawing/2014/main" id="{37D4568A-0455-46F9-8977-B1D6ECDCF84B}"/>
+                <a16:creationId xmlns:a16="http://schemas.microsoft.com/office/drawing/2014/main" xmlns="" id="{37D4568A-0455-46F9-8977-B1D6ECDCF84B}"/>
               </a:ext>
             </a:extLst>
           </p:cNvPr>
@@ -772,7 +772,7 @@
           <p:cNvPr id="10" name="Прямоугольный треугольник 11">
             <a:extLst>
               <a:ext uri="{FF2B5EF4-FFF2-40B4-BE49-F238E27FC236}">
-                <a16:creationId xmlns:a16="http://schemas.microsoft.com/office/drawing/2014/main" id="{A5B22DEB-55F9-4001-80EC-A4674BC4F5F6}"/>
+                <a16:creationId xmlns:a16="http://schemas.microsoft.com/office/drawing/2014/main" xmlns="" id="{A5B22DEB-55F9-4001-80EC-A4674BC4F5F6}"/>
               </a:ext>
             </a:extLst>
           </p:cNvPr>
@@ -894,7 +894,7 @@
           <p:cNvPr id="11" name="Параллелограмм 17">
             <a:extLst>
               <a:ext uri="{FF2B5EF4-FFF2-40B4-BE49-F238E27FC236}">
-                <a16:creationId xmlns:a16="http://schemas.microsoft.com/office/drawing/2014/main" id="{BA54AB6F-CC53-4E00-97E6-AA9FC3DC0C25}"/>
+                <a16:creationId xmlns:a16="http://schemas.microsoft.com/office/drawing/2014/main" xmlns="" id="{BA54AB6F-CC53-4E00-97E6-AA9FC3DC0C25}"/>
               </a:ext>
             </a:extLst>
           </p:cNvPr>
@@ -1046,7 +1046,7 @@
           <p:cNvPr id="3" name="텍스트 개체 틀 2">
             <a:extLst>
               <a:ext uri="{FF2B5EF4-FFF2-40B4-BE49-F238E27FC236}">
-                <a16:creationId xmlns:a16="http://schemas.microsoft.com/office/drawing/2014/main" id="{672B4F0C-5658-4C76-A143-36A8205CC3D5}"/>
+                <a16:creationId xmlns:a16="http://schemas.microsoft.com/office/drawing/2014/main" xmlns="" id="{672B4F0C-5658-4C76-A143-36A8205CC3D5}"/>
               </a:ext>
             </a:extLst>
           </p:cNvPr>
@@ -1130,7 +1130,7 @@
           <p:cNvPr id="6" name="그림 5">
             <a:extLst>
               <a:ext uri="{FF2B5EF4-FFF2-40B4-BE49-F238E27FC236}">
-                <a16:creationId xmlns:a16="http://schemas.microsoft.com/office/drawing/2014/main" id="{69C9B086-C952-4F64-9A38-C55597E5C3BD}"/>
+                <a16:creationId xmlns:a16="http://schemas.microsoft.com/office/drawing/2014/main" xmlns="" id="{69C9B086-C952-4F64-9A38-C55597E5C3BD}"/>
               </a:ext>
             </a:extLst>
           </p:cNvPr>
@@ -1166,7 +1166,7 @@
           <p:cNvPr id="7" name="TextBox 6">
             <a:extLst>
               <a:ext uri="{FF2B5EF4-FFF2-40B4-BE49-F238E27FC236}">
-                <a16:creationId xmlns:a16="http://schemas.microsoft.com/office/drawing/2014/main" id="{19262303-712C-41FF-A0C2-3F725CFB6182}"/>
+                <a16:creationId xmlns:a16="http://schemas.microsoft.com/office/drawing/2014/main" xmlns="" id="{19262303-712C-41FF-A0C2-3F725CFB6182}"/>
               </a:ext>
             </a:extLst>
           </p:cNvPr>
@@ -1215,7 +1215,7 @@
           <p:cNvPr id="8" name="TextBox 7">
             <a:extLst>
               <a:ext uri="{FF2B5EF4-FFF2-40B4-BE49-F238E27FC236}">
-                <a16:creationId xmlns:a16="http://schemas.microsoft.com/office/drawing/2014/main" id="{83E402CD-9736-4CC2-9239-B6EC7D2EB1D0}"/>
+                <a16:creationId xmlns:a16="http://schemas.microsoft.com/office/drawing/2014/main" xmlns="" id="{83E402CD-9736-4CC2-9239-B6EC7D2EB1D0}"/>
               </a:ext>
             </a:extLst>
           </p:cNvPr>
@@ -1267,7 +1267,7 @@
           <p:cNvPr id="9" name="타원 8">
             <a:extLst>
               <a:ext uri="{FF2B5EF4-FFF2-40B4-BE49-F238E27FC236}">
-                <a16:creationId xmlns:a16="http://schemas.microsoft.com/office/drawing/2014/main" id="{AD2D6173-E840-4B8D-A217-96F478E0D0CF}"/>
+                <a16:creationId xmlns:a16="http://schemas.microsoft.com/office/drawing/2014/main" xmlns="" id="{AD2D6173-E840-4B8D-A217-96F478E0D0CF}"/>
               </a:ext>
             </a:extLst>
           </p:cNvPr>
@@ -1321,7 +1321,7 @@
           <p:cNvPr id="10" name="타원 9">
             <a:extLst>
               <a:ext uri="{FF2B5EF4-FFF2-40B4-BE49-F238E27FC236}">
-                <a16:creationId xmlns:a16="http://schemas.microsoft.com/office/drawing/2014/main" id="{5F92BDB5-11F1-4EEB-B8C2-B943E3BC2BF9}"/>
+                <a16:creationId xmlns:a16="http://schemas.microsoft.com/office/drawing/2014/main" xmlns="" id="{5F92BDB5-11F1-4EEB-B8C2-B943E3BC2BF9}"/>
               </a:ext>
             </a:extLst>
           </p:cNvPr>
@@ -1375,7 +1375,7 @@
           <p:cNvPr id="11" name="타원 10">
             <a:extLst>
               <a:ext uri="{FF2B5EF4-FFF2-40B4-BE49-F238E27FC236}">
-                <a16:creationId xmlns:a16="http://schemas.microsoft.com/office/drawing/2014/main" id="{B8E3E5EC-F37F-42B7-924D-3CD1250D640B}"/>
+                <a16:creationId xmlns:a16="http://schemas.microsoft.com/office/drawing/2014/main" xmlns="" id="{B8E3E5EC-F37F-42B7-924D-3CD1250D640B}"/>
               </a:ext>
             </a:extLst>
           </p:cNvPr>
@@ -1429,7 +1429,7 @@
           <p:cNvPr id="12" name="타원 11">
             <a:extLst>
               <a:ext uri="{FF2B5EF4-FFF2-40B4-BE49-F238E27FC236}">
-                <a16:creationId xmlns:a16="http://schemas.microsoft.com/office/drawing/2014/main" id="{49051129-6F14-4F8D-983B-11673C882BBC}"/>
+                <a16:creationId xmlns:a16="http://schemas.microsoft.com/office/drawing/2014/main" xmlns="" id="{49051129-6F14-4F8D-983B-11673C882BBC}"/>
               </a:ext>
             </a:extLst>
           </p:cNvPr>
@@ -1483,7 +1483,7 @@
           <p:cNvPr id="13" name="타원 12">
             <a:extLst>
               <a:ext uri="{FF2B5EF4-FFF2-40B4-BE49-F238E27FC236}">
-                <a16:creationId xmlns:a16="http://schemas.microsoft.com/office/drawing/2014/main" id="{52B681B3-A5BA-479F-8955-FEAB9E161528}"/>
+                <a16:creationId xmlns:a16="http://schemas.microsoft.com/office/drawing/2014/main" xmlns="" id="{52B681B3-A5BA-479F-8955-FEAB9E161528}"/>
               </a:ext>
             </a:extLst>
           </p:cNvPr>
@@ -1537,7 +1537,7 @@
           <p:cNvPr id="14" name="타원 13">
             <a:extLst>
               <a:ext uri="{FF2B5EF4-FFF2-40B4-BE49-F238E27FC236}">
-                <a16:creationId xmlns:a16="http://schemas.microsoft.com/office/drawing/2014/main" id="{E9F80810-2286-4A4B-B1F0-EECA6688297C}"/>
+                <a16:creationId xmlns:a16="http://schemas.microsoft.com/office/drawing/2014/main" xmlns="" id="{E9F80810-2286-4A4B-B1F0-EECA6688297C}"/>
               </a:ext>
             </a:extLst>
           </p:cNvPr>
@@ -1591,7 +1591,7 @@
           <p:cNvPr id="15" name="타원 14">
             <a:extLst>
               <a:ext uri="{FF2B5EF4-FFF2-40B4-BE49-F238E27FC236}">
-                <a16:creationId xmlns:a16="http://schemas.microsoft.com/office/drawing/2014/main" id="{CE659B26-A61C-4883-9ECA-0FCC836F5835}"/>
+                <a16:creationId xmlns:a16="http://schemas.microsoft.com/office/drawing/2014/main" xmlns="" id="{CE659B26-A61C-4883-9ECA-0FCC836F5835}"/>
               </a:ext>
             </a:extLst>
           </p:cNvPr>
@@ -1645,7 +1645,7 @@
           <p:cNvPr id="16" name="타원 15">
             <a:extLst>
               <a:ext uri="{FF2B5EF4-FFF2-40B4-BE49-F238E27FC236}">
-                <a16:creationId xmlns:a16="http://schemas.microsoft.com/office/drawing/2014/main" id="{56E80CD1-4DF1-4D36-B353-A99447BF0F02}"/>
+                <a16:creationId xmlns:a16="http://schemas.microsoft.com/office/drawing/2014/main" xmlns="" id="{56E80CD1-4DF1-4D36-B353-A99447BF0F02}"/>
               </a:ext>
             </a:extLst>
           </p:cNvPr>
@@ -1729,7 +1729,7 @@
           <p:cNvPr id="2" name="제목 1">
             <a:extLst>
               <a:ext uri="{FF2B5EF4-FFF2-40B4-BE49-F238E27FC236}">
-                <a16:creationId xmlns:a16="http://schemas.microsoft.com/office/drawing/2014/main" id="{1E8C42BD-1DE5-46FB-8385-C6571A996E9D}"/>
+                <a16:creationId xmlns:a16="http://schemas.microsoft.com/office/drawing/2014/main" xmlns="" id="{1E8C42BD-1DE5-46FB-8385-C6571A996E9D}"/>
               </a:ext>
             </a:extLst>
           </p:cNvPr>
@@ -1757,7 +1757,7 @@
           <p:cNvPr id="3" name="날짜 개체 틀 2">
             <a:extLst>
               <a:ext uri="{FF2B5EF4-FFF2-40B4-BE49-F238E27FC236}">
-                <a16:creationId xmlns:a16="http://schemas.microsoft.com/office/drawing/2014/main" id="{EB75D8F0-D82F-477E-9A70-61628ECA000B}"/>
+                <a16:creationId xmlns:a16="http://schemas.microsoft.com/office/drawing/2014/main" xmlns="" id="{EB75D8F0-D82F-477E-9A70-61628ECA000B}"/>
               </a:ext>
             </a:extLst>
           </p:cNvPr>
@@ -1786,7 +1786,7 @@
           <p:cNvPr id="4" name="바닥글 개체 틀 3">
             <a:extLst>
               <a:ext uri="{FF2B5EF4-FFF2-40B4-BE49-F238E27FC236}">
-                <a16:creationId xmlns:a16="http://schemas.microsoft.com/office/drawing/2014/main" id="{4643D524-2CC2-4046-B8B0-B949299D7A6D}"/>
+                <a16:creationId xmlns:a16="http://schemas.microsoft.com/office/drawing/2014/main" xmlns="" id="{4643D524-2CC2-4046-B8B0-B949299D7A6D}"/>
               </a:ext>
             </a:extLst>
           </p:cNvPr>
@@ -1811,7 +1811,7 @@
           <p:cNvPr id="5" name="슬라이드 번호 개체 틀 4">
             <a:extLst>
               <a:ext uri="{FF2B5EF4-FFF2-40B4-BE49-F238E27FC236}">
-                <a16:creationId xmlns:a16="http://schemas.microsoft.com/office/drawing/2014/main" id="{EDA66E7F-4E40-4454-9B08-E431B6744AA6}"/>
+                <a16:creationId xmlns:a16="http://schemas.microsoft.com/office/drawing/2014/main" xmlns="" id="{EDA66E7F-4E40-4454-9B08-E431B6744AA6}"/>
               </a:ext>
             </a:extLst>
           </p:cNvPr>
@@ -1870,7 +1870,7 @@
           <p:cNvPr id="39" name="그룹 38">
             <a:extLst>
               <a:ext uri="{FF2B5EF4-FFF2-40B4-BE49-F238E27FC236}">
-                <a16:creationId xmlns:a16="http://schemas.microsoft.com/office/drawing/2014/main" id="{A45DDDA3-32F6-48CB-A8D8-14D816ED84AF}"/>
+                <a16:creationId xmlns:a16="http://schemas.microsoft.com/office/drawing/2014/main" xmlns="" id="{A45DDDA3-32F6-48CB-A8D8-14D816ED84AF}"/>
               </a:ext>
             </a:extLst>
           </p:cNvPr>
@@ -1890,7 +1890,7 @@
             <p:cNvPr id="25" name="육각형 24">
               <a:extLst>
                 <a:ext uri="{FF2B5EF4-FFF2-40B4-BE49-F238E27FC236}">
-                  <a16:creationId xmlns:a16="http://schemas.microsoft.com/office/drawing/2014/main" id="{D36904B0-63FE-4B75-BF68-EBB371053D5F}"/>
+                  <a16:creationId xmlns:a16="http://schemas.microsoft.com/office/drawing/2014/main" xmlns="" id="{D36904B0-63FE-4B75-BF68-EBB371053D5F}"/>
                 </a:ext>
               </a:extLst>
             </p:cNvPr>
@@ -1951,7 +1951,7 @@
             <p:cNvPr id="36" name="육각형 35">
               <a:extLst>
                 <a:ext uri="{FF2B5EF4-FFF2-40B4-BE49-F238E27FC236}">
-                  <a16:creationId xmlns:a16="http://schemas.microsoft.com/office/drawing/2014/main" id="{C029E3B1-0616-4643-8752-E35949571A63}"/>
+                  <a16:creationId xmlns:a16="http://schemas.microsoft.com/office/drawing/2014/main" xmlns="" id="{C029E3B1-0616-4643-8752-E35949571A63}"/>
                 </a:ext>
               </a:extLst>
             </p:cNvPr>
@@ -2011,7 +2011,7 @@
             <p:cNvPr id="37" name="육각형 36">
               <a:extLst>
                 <a:ext uri="{FF2B5EF4-FFF2-40B4-BE49-F238E27FC236}">
-                  <a16:creationId xmlns:a16="http://schemas.microsoft.com/office/drawing/2014/main" id="{29359650-2544-41D5-88DE-5CA02F6EE256}"/>
+                  <a16:creationId xmlns:a16="http://schemas.microsoft.com/office/drawing/2014/main" xmlns="" id="{29359650-2544-41D5-88DE-5CA02F6EE256}"/>
                 </a:ext>
               </a:extLst>
             </p:cNvPr>
@@ -2071,7 +2071,7 @@
             <p:cNvPr id="26" name="육각형 25">
               <a:extLst>
                 <a:ext uri="{FF2B5EF4-FFF2-40B4-BE49-F238E27FC236}">
-                  <a16:creationId xmlns:a16="http://schemas.microsoft.com/office/drawing/2014/main" id="{9EBF47D0-68BF-4B7F-B7CE-BA95BE25BD6A}"/>
+                  <a16:creationId xmlns:a16="http://schemas.microsoft.com/office/drawing/2014/main" xmlns="" id="{9EBF47D0-68BF-4B7F-B7CE-BA95BE25BD6A}"/>
                 </a:ext>
               </a:extLst>
             </p:cNvPr>
@@ -2199,7 +2199,7 @@
           <p:cNvPr id="5" name="직사각형 4">
             <a:extLst>
               <a:ext uri="{FF2B5EF4-FFF2-40B4-BE49-F238E27FC236}">
-                <a16:creationId xmlns:a16="http://schemas.microsoft.com/office/drawing/2014/main" id="{BA1686E7-6701-4F2A-8F3B-E3B4F13B0EB2}"/>
+                <a16:creationId xmlns:a16="http://schemas.microsoft.com/office/drawing/2014/main" xmlns="" id="{BA1686E7-6701-4F2A-8F3B-E3B4F13B0EB2}"/>
               </a:ext>
             </a:extLst>
           </p:cNvPr>
@@ -2302,7 +2302,7 @@
           <p:cNvPr id="6" name="텍스트 개체 틀 5">
             <a:extLst>
               <a:ext uri="{FF2B5EF4-FFF2-40B4-BE49-F238E27FC236}">
-                <a16:creationId xmlns:a16="http://schemas.microsoft.com/office/drawing/2014/main" id="{E9DA90DA-E9B9-4F9D-8BAC-03C70C743C78}"/>
+                <a16:creationId xmlns:a16="http://schemas.microsoft.com/office/drawing/2014/main" xmlns="" id="{E9DA90DA-E9B9-4F9D-8BAC-03C70C743C78}"/>
               </a:ext>
             </a:extLst>
           </p:cNvPr>
@@ -2389,7 +2389,7 @@
           <p:cNvPr id="2" name="제목 개체 틀 1">
             <a:extLst>
               <a:ext uri="{FF2B5EF4-FFF2-40B4-BE49-F238E27FC236}">
-                <a16:creationId xmlns:a16="http://schemas.microsoft.com/office/drawing/2014/main" id="{1DBD9734-F9A0-4801-B250-7F50BD816D67}"/>
+                <a16:creationId xmlns:a16="http://schemas.microsoft.com/office/drawing/2014/main" xmlns="" id="{1DBD9734-F9A0-4801-B250-7F50BD816D67}"/>
               </a:ext>
             </a:extLst>
           </p:cNvPr>
@@ -2427,7 +2427,7 @@
           <p:cNvPr id="3" name="텍스트 개체 틀 2">
             <a:extLst>
               <a:ext uri="{FF2B5EF4-FFF2-40B4-BE49-F238E27FC236}">
-                <a16:creationId xmlns:a16="http://schemas.microsoft.com/office/drawing/2014/main" id="{E5AA3AC4-683B-4781-B4AD-05D7DBF8A918}"/>
+                <a16:creationId xmlns:a16="http://schemas.microsoft.com/office/drawing/2014/main" xmlns="" id="{E5AA3AC4-683B-4781-B4AD-05D7DBF8A918}"/>
               </a:ext>
             </a:extLst>
           </p:cNvPr>
@@ -2494,7 +2494,7 @@
           <p:cNvPr id="4" name="날짜 개체 틀 3">
             <a:extLst>
               <a:ext uri="{FF2B5EF4-FFF2-40B4-BE49-F238E27FC236}">
-                <a16:creationId xmlns:a16="http://schemas.microsoft.com/office/drawing/2014/main" id="{A9248EE6-9337-4B92-8B00-C40E2A4CBB58}"/>
+                <a16:creationId xmlns:a16="http://schemas.microsoft.com/office/drawing/2014/main" xmlns="" id="{A9248EE6-9337-4B92-8B00-C40E2A4CBB58}"/>
               </a:ext>
             </a:extLst>
           </p:cNvPr>
@@ -2541,7 +2541,7 @@
           <p:cNvPr id="5" name="바닥글 개체 틀 4">
             <a:extLst>
               <a:ext uri="{FF2B5EF4-FFF2-40B4-BE49-F238E27FC236}">
-                <a16:creationId xmlns:a16="http://schemas.microsoft.com/office/drawing/2014/main" id="{397CA54D-216F-4975-9A5D-9484C12271F0}"/>
+                <a16:creationId xmlns:a16="http://schemas.microsoft.com/office/drawing/2014/main" xmlns="" id="{397CA54D-216F-4975-9A5D-9484C12271F0}"/>
               </a:ext>
             </a:extLst>
           </p:cNvPr>
@@ -2584,7 +2584,7 @@
           <p:cNvPr id="6" name="슬라이드 번호 개체 틀 5">
             <a:extLst>
               <a:ext uri="{FF2B5EF4-FFF2-40B4-BE49-F238E27FC236}">
-                <a16:creationId xmlns:a16="http://schemas.microsoft.com/office/drawing/2014/main" id="{CB3B54B8-E1B4-480C-B0F3-E6B18BE78457}"/>
+                <a16:creationId xmlns:a16="http://schemas.microsoft.com/office/drawing/2014/main" xmlns="" id="{CB3B54B8-E1B4-480C-B0F3-E6B18BE78457}"/>
               </a:ext>
             </a:extLst>
           </p:cNvPr>
@@ -2946,7 +2946,7 @@
           <p:cNvPr id="3" name="그림 2">
             <a:extLst>
               <a:ext uri="{FF2B5EF4-FFF2-40B4-BE49-F238E27FC236}">
-                <a16:creationId xmlns:a16="http://schemas.microsoft.com/office/drawing/2014/main" id="{0269E28C-4D66-40F8-836D-93E7D76CA827}"/>
+                <a16:creationId xmlns:a16="http://schemas.microsoft.com/office/drawing/2014/main" xmlns="" id="{0269E28C-4D66-40F8-836D-93E7D76CA827}"/>
               </a:ext>
             </a:extLst>
           </p:cNvPr>
@@ -2982,7 +2982,7 @@
           <p:cNvPr id="4" name="TextBox 3">
             <a:extLst>
               <a:ext uri="{FF2B5EF4-FFF2-40B4-BE49-F238E27FC236}">
-                <a16:creationId xmlns:a16="http://schemas.microsoft.com/office/drawing/2014/main" id="{6FFCB628-D48F-4844-8FDF-08B1AE9F3268}"/>
+                <a16:creationId xmlns:a16="http://schemas.microsoft.com/office/drawing/2014/main" xmlns="" id="{6FFCB628-D48F-4844-8FDF-08B1AE9F3268}"/>
               </a:ext>
             </a:extLst>
           </p:cNvPr>
@@ -3031,7 +3031,7 @@
           <p:cNvPr id="17" name="Прямоугольный треугольник 11">
             <a:extLst>
               <a:ext uri="{FF2B5EF4-FFF2-40B4-BE49-F238E27FC236}">
-                <a16:creationId xmlns:a16="http://schemas.microsoft.com/office/drawing/2014/main" id="{F60FFECF-3036-4068-992B-01C855544268}"/>
+                <a16:creationId xmlns:a16="http://schemas.microsoft.com/office/drawing/2014/main" xmlns="" id="{F60FFECF-3036-4068-992B-01C855544268}"/>
               </a:ext>
             </a:extLst>
           </p:cNvPr>
@@ -3153,7 +3153,7 @@
           <p:cNvPr id="18" name="Параллелограмм 17">
             <a:extLst>
               <a:ext uri="{FF2B5EF4-FFF2-40B4-BE49-F238E27FC236}">
-                <a16:creationId xmlns:a16="http://schemas.microsoft.com/office/drawing/2014/main" id="{93C980C2-41A9-43F6-85B6-25BFD495EDD3}"/>
+                <a16:creationId xmlns:a16="http://schemas.microsoft.com/office/drawing/2014/main" xmlns="" id="{93C980C2-41A9-43F6-85B6-25BFD495EDD3}"/>
               </a:ext>
             </a:extLst>
           </p:cNvPr>
@@ -3305,7 +3305,7 @@
           <p:cNvPr id="6" name="텍스트 개체 틀 5">
             <a:extLst>
               <a:ext uri="{FF2B5EF4-FFF2-40B4-BE49-F238E27FC236}">
-                <a16:creationId xmlns:a16="http://schemas.microsoft.com/office/drawing/2014/main" id="{AE0D723B-0B46-44D8-8C89-33BE92BD21F9}"/>
+                <a16:creationId xmlns:a16="http://schemas.microsoft.com/office/drawing/2014/main" xmlns="" id="{AE0D723B-0B46-44D8-8C89-33BE92BD21F9}"/>
               </a:ext>
             </a:extLst>
           </p:cNvPr>
@@ -3319,7 +3319,7 @@
         <p:spPr>
           <a:xfrm>
             <a:off x="5644594" y="3936831"/>
-            <a:ext cx="902812" cy="426848"/>
+            <a:ext cx="902812" cy="424732"/>
           </a:xfrm>
         </p:spPr>
         <p:txBody>
@@ -3327,11 +3327,11 @@
           <a:lstStyle/>
           <a:p>
             <a:r>
-              <a:rPr lang="en-US" altLang="ko-KR" dirty="0"/>
-              <a:t>-6</a:t>
-            </a:r>
-            <a:r>
-              <a:rPr lang="ko-KR" altLang="en-US" dirty="0"/>
+              <a:rPr lang="en-US" altLang="ko-KR" dirty="0" smtClean="0"/>
+              <a:t>-7</a:t>
+            </a:r>
+            <a:r>
+              <a:rPr lang="ko-KR" altLang="en-US" dirty="0" smtClean="0"/>
               <a:t>강</a:t>
             </a:r>
             <a:r>
@@ -3377,7 +3377,7 @@
           <p:cNvPr id="4" name="제목 3">
             <a:extLst>
               <a:ext uri="{FF2B5EF4-FFF2-40B4-BE49-F238E27FC236}">
-                <a16:creationId xmlns:a16="http://schemas.microsoft.com/office/drawing/2014/main" id="{06788E19-EF8D-4AF3-AC50-332C4F6D50E8}"/>
+                <a16:creationId xmlns:a16="http://schemas.microsoft.com/office/drawing/2014/main" xmlns="" id="{06788E19-EF8D-4AF3-AC50-332C4F6D50E8}"/>
               </a:ext>
             </a:extLst>
           </p:cNvPr>
@@ -3405,7 +3405,7 @@
           <p:cNvPr id="5" name="텍스트 개체 틀 4">
             <a:extLst>
               <a:ext uri="{FF2B5EF4-FFF2-40B4-BE49-F238E27FC236}">
-                <a16:creationId xmlns:a16="http://schemas.microsoft.com/office/drawing/2014/main" id="{8CF1750D-3FA5-4B80-95A4-A0DB3E9D553C}"/>
+                <a16:creationId xmlns:a16="http://schemas.microsoft.com/office/drawing/2014/main" xmlns="" id="{8CF1750D-3FA5-4B80-95A4-A0DB3E9D553C}"/>
               </a:ext>
             </a:extLst>
           </p:cNvPr>
@@ -3437,7 +3437,7 @@
           <p:cNvPr id="6" name="그림 5">
             <a:extLst>
               <a:ext uri="{FF2B5EF4-FFF2-40B4-BE49-F238E27FC236}">
-                <a16:creationId xmlns:a16="http://schemas.microsoft.com/office/drawing/2014/main" id="{65EF29D1-2CBC-4D20-ADD4-001B01564B8D}"/>
+                <a16:creationId xmlns:a16="http://schemas.microsoft.com/office/drawing/2014/main" xmlns="" id="{65EF29D1-2CBC-4D20-ADD4-001B01564B8D}"/>
               </a:ext>
             </a:extLst>
           </p:cNvPr>
@@ -3456,6 +3456,30 @@
           <a:xfrm>
             <a:off x="1922318" y="583525"/>
             <a:ext cx="8347364" cy="5942407"/>
+          </a:xfrm>
+          <a:prstGeom prst="rect">
+            <a:avLst/>
+          </a:prstGeom>
+        </p:spPr>
+      </p:pic>
+      <p:pic>
+        <p:nvPicPr>
+          <p:cNvPr id="2" name="그림 1"/>
+          <p:cNvPicPr>
+            <a:picLocks noChangeAspect="1"/>
+          </p:cNvPicPr>
+          <p:nvPr/>
+        </p:nvPicPr>
+        <p:blipFill>
+          <a:blip r:embed="rId3"/>
+          <a:stretch>
+            <a:fillRect/>
+          </a:stretch>
+        </p:blipFill>
+        <p:spPr>
+          <a:xfrm>
+            <a:off x="6721433" y="4079758"/>
+            <a:ext cx="4840303" cy="2557348"/>
           </a:xfrm>
           <a:prstGeom prst="rect">
             <a:avLst/>
@@ -3497,7 +3521,7 @@
           <p:cNvPr id="4" name="제목 3">
             <a:extLst>
               <a:ext uri="{FF2B5EF4-FFF2-40B4-BE49-F238E27FC236}">
-                <a16:creationId xmlns:a16="http://schemas.microsoft.com/office/drawing/2014/main" id="{06788E19-EF8D-4AF3-AC50-332C4F6D50E8}"/>
+                <a16:creationId xmlns:a16="http://schemas.microsoft.com/office/drawing/2014/main" xmlns="" id="{06788E19-EF8D-4AF3-AC50-332C4F6D50E8}"/>
               </a:ext>
             </a:extLst>
           </p:cNvPr>
@@ -3525,7 +3549,7 @@
           <p:cNvPr id="5" name="텍스트 개체 틀 4">
             <a:extLst>
               <a:ext uri="{FF2B5EF4-FFF2-40B4-BE49-F238E27FC236}">
-                <a16:creationId xmlns:a16="http://schemas.microsoft.com/office/drawing/2014/main" id="{8CF1750D-3FA5-4B80-95A4-A0DB3E9D553C}"/>
+                <a16:creationId xmlns:a16="http://schemas.microsoft.com/office/drawing/2014/main" xmlns="" id="{8CF1750D-3FA5-4B80-95A4-A0DB3E9D553C}"/>
               </a:ext>
             </a:extLst>
           </p:cNvPr>
@@ -3557,7 +3581,7 @@
           <p:cNvPr id="2" name="그림 1">
             <a:extLst>
               <a:ext uri="{FF2B5EF4-FFF2-40B4-BE49-F238E27FC236}">
-                <a16:creationId xmlns:a16="http://schemas.microsoft.com/office/drawing/2014/main" id="{E953B5A6-6DD1-41C8-8CCA-C629232F1FC5}"/>
+                <a16:creationId xmlns:a16="http://schemas.microsoft.com/office/drawing/2014/main" xmlns="" id="{E953B5A6-6DD1-41C8-8CCA-C629232F1FC5}"/>
               </a:ext>
             </a:extLst>
           </p:cNvPr>
@@ -3617,7 +3641,7 @@
           <p:cNvPr id="4" name="제목 3">
             <a:extLst>
               <a:ext uri="{FF2B5EF4-FFF2-40B4-BE49-F238E27FC236}">
-                <a16:creationId xmlns:a16="http://schemas.microsoft.com/office/drawing/2014/main" id="{06788E19-EF8D-4AF3-AC50-332C4F6D50E8}"/>
+                <a16:creationId xmlns:a16="http://schemas.microsoft.com/office/drawing/2014/main" xmlns="" id="{06788E19-EF8D-4AF3-AC50-332C4F6D50E8}"/>
               </a:ext>
             </a:extLst>
           </p:cNvPr>
@@ -3634,8 +3658,12 @@
           <a:lstStyle/>
           <a:p>
             <a:r>
+              <a:rPr lang="ko-KR" altLang="en-US" dirty="0" smtClean="0"/>
+              <a:t>구조체 </a:t>
+            </a:r>
+            <a:r>
               <a:rPr lang="ko-KR" altLang="en-US" dirty="0"/>
-              <a:t>구조체의 배열</a:t>
+              <a:t>배열</a:t>
             </a:r>
           </a:p>
         </p:txBody>
@@ -3645,7 +3673,7 @@
           <p:cNvPr id="5" name="텍스트 개체 틀 4">
             <a:extLst>
               <a:ext uri="{FF2B5EF4-FFF2-40B4-BE49-F238E27FC236}">
-                <a16:creationId xmlns:a16="http://schemas.microsoft.com/office/drawing/2014/main" id="{8CF1750D-3FA5-4B80-95A4-A0DB3E9D553C}"/>
+                <a16:creationId xmlns:a16="http://schemas.microsoft.com/office/drawing/2014/main" xmlns="" id="{8CF1750D-3FA5-4B80-95A4-A0DB3E9D553C}"/>
               </a:ext>
             </a:extLst>
           </p:cNvPr>
@@ -3677,7 +3705,7 @@
           <p:cNvPr id="6" name="그림 5">
             <a:extLst>
               <a:ext uri="{FF2B5EF4-FFF2-40B4-BE49-F238E27FC236}">
-                <a16:creationId xmlns:a16="http://schemas.microsoft.com/office/drawing/2014/main" id="{BC566B09-892A-46F9-9753-BAA3F32FCC97}"/>
+                <a16:creationId xmlns:a16="http://schemas.microsoft.com/office/drawing/2014/main" xmlns="" id="{BC566B09-892A-46F9-9753-BAA3F32FCC97}"/>
               </a:ext>
             </a:extLst>
           </p:cNvPr>
@@ -3696,6 +3724,29 @@
           <a:xfrm>
             <a:off x="360600" y="1510145"/>
             <a:ext cx="11470799" cy="3837709"/>
+          </a:xfrm>
+          <a:prstGeom prst="rect">
+            <a:avLst/>
+          </a:prstGeom>
+        </p:spPr>
+      </p:pic>
+      <p:pic>
+        <p:nvPicPr>
+          <p:cNvPr id="7" name="그림 6"/>
+          <p:cNvPicPr>
+            <a:picLocks noChangeAspect="1"/>
+          </p:cNvPicPr>
+          <p:nvPr/>
+        </p:nvPicPr>
+        <p:blipFill rotWithShape="1">
+          <a:blip r:embed="rId3"/>
+          <a:srcRect l="3533"/>
+          <a:stretch/>
+        </p:blipFill>
+        <p:spPr>
+          <a:xfrm>
+            <a:off x="6100763" y="2243138"/>
+            <a:ext cx="3901844" cy="976312"/>
           </a:xfrm>
           <a:prstGeom prst="rect">
             <a:avLst/>
@@ -3737,7 +3788,7 @@
           <p:cNvPr id="4" name="제목 3">
             <a:extLst>
               <a:ext uri="{FF2B5EF4-FFF2-40B4-BE49-F238E27FC236}">
-                <a16:creationId xmlns:a16="http://schemas.microsoft.com/office/drawing/2014/main" id="{06788E19-EF8D-4AF3-AC50-332C4F6D50E8}"/>
+                <a16:creationId xmlns:a16="http://schemas.microsoft.com/office/drawing/2014/main" xmlns="" id="{06788E19-EF8D-4AF3-AC50-332C4F6D50E8}"/>
               </a:ext>
             </a:extLst>
           </p:cNvPr>
@@ -3765,7 +3816,7 @@
           <p:cNvPr id="5" name="텍스트 개체 틀 4">
             <a:extLst>
               <a:ext uri="{FF2B5EF4-FFF2-40B4-BE49-F238E27FC236}">
-                <a16:creationId xmlns:a16="http://schemas.microsoft.com/office/drawing/2014/main" id="{8CF1750D-3FA5-4B80-95A4-A0DB3E9D553C}"/>
+                <a16:creationId xmlns:a16="http://schemas.microsoft.com/office/drawing/2014/main" xmlns="" id="{8CF1750D-3FA5-4B80-95A4-A0DB3E9D553C}"/>
               </a:ext>
             </a:extLst>
           </p:cNvPr>
@@ -3797,7 +3848,7 @@
           <p:cNvPr id="2" name="그림 1">
             <a:extLst>
               <a:ext uri="{FF2B5EF4-FFF2-40B4-BE49-F238E27FC236}">
-                <a16:creationId xmlns:a16="http://schemas.microsoft.com/office/drawing/2014/main" id="{54DEFE2E-D090-4BB9-B53E-EE771086DBC0}"/>
+                <a16:creationId xmlns:a16="http://schemas.microsoft.com/office/drawing/2014/main" xmlns="" id="{54DEFE2E-D090-4BB9-B53E-EE771086DBC0}"/>
               </a:ext>
             </a:extLst>
           </p:cNvPr>
@@ -3857,7 +3908,7 @@
           <p:cNvPr id="4" name="제목 3">
             <a:extLst>
               <a:ext uri="{FF2B5EF4-FFF2-40B4-BE49-F238E27FC236}">
-                <a16:creationId xmlns:a16="http://schemas.microsoft.com/office/drawing/2014/main" id="{06788E19-EF8D-4AF3-AC50-332C4F6D50E8}"/>
+                <a16:creationId xmlns:a16="http://schemas.microsoft.com/office/drawing/2014/main" xmlns="" id="{06788E19-EF8D-4AF3-AC50-332C4F6D50E8}"/>
               </a:ext>
             </a:extLst>
           </p:cNvPr>
@@ -3885,7 +3936,7 @@
           <p:cNvPr id="5" name="텍스트 개체 틀 4">
             <a:extLst>
               <a:ext uri="{FF2B5EF4-FFF2-40B4-BE49-F238E27FC236}">
-                <a16:creationId xmlns:a16="http://schemas.microsoft.com/office/drawing/2014/main" id="{8CF1750D-3FA5-4B80-95A4-A0DB3E9D553C}"/>
+                <a16:creationId xmlns:a16="http://schemas.microsoft.com/office/drawing/2014/main" xmlns="" id="{8CF1750D-3FA5-4B80-95A4-A0DB3E9D553C}"/>
               </a:ext>
             </a:extLst>
           </p:cNvPr>
@@ -3917,7 +3968,7 @@
           <p:cNvPr id="3" name="그림 2">
             <a:extLst>
               <a:ext uri="{FF2B5EF4-FFF2-40B4-BE49-F238E27FC236}">
-                <a16:creationId xmlns:a16="http://schemas.microsoft.com/office/drawing/2014/main" id="{4850586C-0875-45B4-BE51-A53750629857}"/>
+                <a16:creationId xmlns:a16="http://schemas.microsoft.com/office/drawing/2014/main" xmlns="" id="{4850586C-0875-45B4-BE51-A53750629857}"/>
               </a:ext>
             </a:extLst>
           </p:cNvPr>
@@ -3977,7 +4028,7 @@
           <p:cNvPr id="4" name="제목 3">
             <a:extLst>
               <a:ext uri="{FF2B5EF4-FFF2-40B4-BE49-F238E27FC236}">
-                <a16:creationId xmlns:a16="http://schemas.microsoft.com/office/drawing/2014/main" id="{06788E19-EF8D-4AF3-AC50-332C4F6D50E8}"/>
+                <a16:creationId xmlns:a16="http://schemas.microsoft.com/office/drawing/2014/main" xmlns="" id="{06788E19-EF8D-4AF3-AC50-332C4F6D50E8}"/>
               </a:ext>
             </a:extLst>
           </p:cNvPr>
@@ -4005,7 +4056,7 @@
           <p:cNvPr id="5" name="텍스트 개체 틀 4">
             <a:extLst>
               <a:ext uri="{FF2B5EF4-FFF2-40B4-BE49-F238E27FC236}">
-                <a16:creationId xmlns:a16="http://schemas.microsoft.com/office/drawing/2014/main" id="{8CF1750D-3FA5-4B80-95A4-A0DB3E9D553C}"/>
+                <a16:creationId xmlns:a16="http://schemas.microsoft.com/office/drawing/2014/main" xmlns="" id="{8CF1750D-3FA5-4B80-95A4-A0DB3E9D553C}"/>
               </a:ext>
             </a:extLst>
           </p:cNvPr>
@@ -4037,7 +4088,7 @@
           <p:cNvPr id="2" name="그림 1">
             <a:extLst>
               <a:ext uri="{FF2B5EF4-FFF2-40B4-BE49-F238E27FC236}">
-                <a16:creationId xmlns:a16="http://schemas.microsoft.com/office/drawing/2014/main" id="{6B7F3B7B-2656-4544-9BDC-17CB8BCA386A}"/>
+                <a16:creationId xmlns:a16="http://schemas.microsoft.com/office/drawing/2014/main" xmlns="" id="{6B7F3B7B-2656-4544-9BDC-17CB8BCA386A}"/>
               </a:ext>
             </a:extLst>
           </p:cNvPr>
@@ -4097,7 +4148,7 @@
           <p:cNvPr id="4" name="제목 3">
             <a:extLst>
               <a:ext uri="{FF2B5EF4-FFF2-40B4-BE49-F238E27FC236}">
-                <a16:creationId xmlns:a16="http://schemas.microsoft.com/office/drawing/2014/main" id="{06788E19-EF8D-4AF3-AC50-332C4F6D50E8}"/>
+                <a16:creationId xmlns:a16="http://schemas.microsoft.com/office/drawing/2014/main" xmlns="" id="{06788E19-EF8D-4AF3-AC50-332C4F6D50E8}"/>
               </a:ext>
             </a:extLst>
           </p:cNvPr>
@@ -4125,7 +4176,7 @@
           <p:cNvPr id="5" name="텍스트 개체 틀 4">
             <a:extLst>
               <a:ext uri="{FF2B5EF4-FFF2-40B4-BE49-F238E27FC236}">
-                <a16:creationId xmlns:a16="http://schemas.microsoft.com/office/drawing/2014/main" id="{8CF1750D-3FA5-4B80-95A4-A0DB3E9D553C}"/>
+                <a16:creationId xmlns:a16="http://schemas.microsoft.com/office/drawing/2014/main" xmlns="" id="{8CF1750D-3FA5-4B80-95A4-A0DB3E9D553C}"/>
               </a:ext>
             </a:extLst>
           </p:cNvPr>
@@ -4157,7 +4208,7 @@
           <p:cNvPr id="6" name="그림 5">
             <a:extLst>
               <a:ext uri="{FF2B5EF4-FFF2-40B4-BE49-F238E27FC236}">
-                <a16:creationId xmlns:a16="http://schemas.microsoft.com/office/drawing/2014/main" id="{A91DD22F-30F2-4306-966E-315814F15B6C}"/>
+                <a16:creationId xmlns:a16="http://schemas.microsoft.com/office/drawing/2014/main" xmlns="" id="{A91DD22F-30F2-4306-966E-315814F15B6C}"/>
               </a:ext>
             </a:extLst>
           </p:cNvPr>
@@ -4217,7 +4268,7 @@
           <p:cNvPr id="4" name="제목 3">
             <a:extLst>
               <a:ext uri="{FF2B5EF4-FFF2-40B4-BE49-F238E27FC236}">
-                <a16:creationId xmlns:a16="http://schemas.microsoft.com/office/drawing/2014/main" id="{06788E19-EF8D-4AF3-AC50-332C4F6D50E8}"/>
+                <a16:creationId xmlns:a16="http://schemas.microsoft.com/office/drawing/2014/main" xmlns="" id="{06788E19-EF8D-4AF3-AC50-332C4F6D50E8}"/>
               </a:ext>
             </a:extLst>
           </p:cNvPr>
@@ -4245,7 +4296,7 @@
           <p:cNvPr id="5" name="텍스트 개체 틀 4">
             <a:extLst>
               <a:ext uri="{FF2B5EF4-FFF2-40B4-BE49-F238E27FC236}">
-                <a16:creationId xmlns:a16="http://schemas.microsoft.com/office/drawing/2014/main" id="{8CF1750D-3FA5-4B80-95A4-A0DB3E9D553C}"/>
+                <a16:creationId xmlns:a16="http://schemas.microsoft.com/office/drawing/2014/main" xmlns="" id="{8CF1750D-3FA5-4B80-95A4-A0DB3E9D553C}"/>
               </a:ext>
             </a:extLst>
           </p:cNvPr>
@@ -4277,7 +4328,7 @@
           <p:cNvPr id="3" name="그림 2">
             <a:extLst>
               <a:ext uri="{FF2B5EF4-FFF2-40B4-BE49-F238E27FC236}">
-                <a16:creationId xmlns:a16="http://schemas.microsoft.com/office/drawing/2014/main" id="{1A3E53B8-4B3E-428D-A18F-D910999AFF8D}"/>
+                <a16:creationId xmlns:a16="http://schemas.microsoft.com/office/drawing/2014/main" xmlns="" id="{1A3E53B8-4B3E-428D-A18F-D910999AFF8D}"/>
               </a:ext>
             </a:extLst>
           </p:cNvPr>
@@ -4296,36 +4347,6 @@
           <a:xfrm>
             <a:off x="684094" y="2482672"/>
             <a:ext cx="10823812" cy="1218767"/>
-          </a:xfrm>
-          <a:prstGeom prst="rect">
-            <a:avLst/>
-          </a:prstGeom>
-        </p:spPr>
-      </p:pic>
-      <p:pic>
-        <p:nvPicPr>
-          <p:cNvPr id="2" name="그림 1">
-            <a:extLst>
-              <a:ext uri="{FF2B5EF4-FFF2-40B4-BE49-F238E27FC236}">
-                <a16:creationId xmlns:a16="http://schemas.microsoft.com/office/drawing/2014/main" id="{E0289973-0B2E-4EAE-B0F3-7884A5771244}"/>
-              </a:ext>
-            </a:extLst>
-          </p:cNvPr>
-          <p:cNvPicPr>
-            <a:picLocks noChangeAspect="1"/>
-          </p:cNvPicPr>
-          <p:nvPr/>
-        </p:nvPicPr>
-        <p:blipFill>
-          <a:blip r:embed="rId3"/>
-          <a:stretch>
-            <a:fillRect/>
-          </a:stretch>
-        </p:blipFill>
-        <p:spPr>
-          <a:xfrm>
-            <a:off x="1024803" y="3092055"/>
-            <a:ext cx="6124575" cy="4714875"/>
           </a:xfrm>
           <a:prstGeom prst="rect">
             <a:avLst/>
@@ -4367,7 +4388,7 @@
           <p:cNvPr id="4" name="제목 3">
             <a:extLst>
               <a:ext uri="{FF2B5EF4-FFF2-40B4-BE49-F238E27FC236}">
-                <a16:creationId xmlns:a16="http://schemas.microsoft.com/office/drawing/2014/main" id="{06788E19-EF8D-4AF3-AC50-332C4F6D50E8}"/>
+                <a16:creationId xmlns:a16="http://schemas.microsoft.com/office/drawing/2014/main" xmlns="" id="{06788E19-EF8D-4AF3-AC50-332C4F6D50E8}"/>
               </a:ext>
             </a:extLst>
           </p:cNvPr>
@@ -4395,7 +4416,7 @@
           <p:cNvPr id="5" name="텍스트 개체 틀 4">
             <a:extLst>
               <a:ext uri="{FF2B5EF4-FFF2-40B4-BE49-F238E27FC236}">
-                <a16:creationId xmlns:a16="http://schemas.microsoft.com/office/drawing/2014/main" id="{8CF1750D-3FA5-4B80-95A4-A0DB3E9D553C}"/>
+                <a16:creationId xmlns:a16="http://schemas.microsoft.com/office/drawing/2014/main" xmlns="" id="{8CF1750D-3FA5-4B80-95A4-A0DB3E9D553C}"/>
               </a:ext>
             </a:extLst>
           </p:cNvPr>
@@ -4427,7 +4448,7 @@
           <p:cNvPr id="6" name="그림 5">
             <a:extLst>
               <a:ext uri="{FF2B5EF4-FFF2-40B4-BE49-F238E27FC236}">
-                <a16:creationId xmlns:a16="http://schemas.microsoft.com/office/drawing/2014/main" id="{8A77DF4D-626D-46E9-AD4A-6D2D8FB6CC94}"/>
+                <a16:creationId xmlns:a16="http://schemas.microsoft.com/office/drawing/2014/main" xmlns="" id="{8A77DF4D-626D-46E9-AD4A-6D2D8FB6CC94}"/>
               </a:ext>
             </a:extLst>
           </p:cNvPr>
@@ -4457,7 +4478,7 @@
           <p:cNvPr id="7" name="그림 6">
             <a:extLst>
               <a:ext uri="{FF2B5EF4-FFF2-40B4-BE49-F238E27FC236}">
-                <a16:creationId xmlns:a16="http://schemas.microsoft.com/office/drawing/2014/main" id="{F090DF68-C63E-4202-B8F2-5005A2491818}"/>
+                <a16:creationId xmlns:a16="http://schemas.microsoft.com/office/drawing/2014/main" xmlns="" id="{F090DF68-C63E-4202-B8F2-5005A2491818}"/>
               </a:ext>
             </a:extLst>
           </p:cNvPr>
@@ -4517,7 +4538,7 @@
           <p:cNvPr id="4" name="제목 3">
             <a:extLst>
               <a:ext uri="{FF2B5EF4-FFF2-40B4-BE49-F238E27FC236}">
-                <a16:creationId xmlns:a16="http://schemas.microsoft.com/office/drawing/2014/main" id="{06788E19-EF8D-4AF3-AC50-332C4F6D50E8}"/>
+                <a16:creationId xmlns:a16="http://schemas.microsoft.com/office/drawing/2014/main" xmlns="" id="{06788E19-EF8D-4AF3-AC50-332C4F6D50E8}"/>
               </a:ext>
             </a:extLst>
           </p:cNvPr>
@@ -4545,7 +4566,7 @@
           <p:cNvPr id="5" name="텍스트 개체 틀 4">
             <a:extLst>
               <a:ext uri="{FF2B5EF4-FFF2-40B4-BE49-F238E27FC236}">
-                <a16:creationId xmlns:a16="http://schemas.microsoft.com/office/drawing/2014/main" id="{8CF1750D-3FA5-4B80-95A4-A0DB3E9D553C}"/>
+                <a16:creationId xmlns:a16="http://schemas.microsoft.com/office/drawing/2014/main" xmlns="" id="{8CF1750D-3FA5-4B80-95A4-A0DB3E9D553C}"/>
               </a:ext>
             </a:extLst>
           </p:cNvPr>
@@ -4577,7 +4598,7 @@
           <p:cNvPr id="2" name="그림 1">
             <a:extLst>
               <a:ext uri="{FF2B5EF4-FFF2-40B4-BE49-F238E27FC236}">
-                <a16:creationId xmlns:a16="http://schemas.microsoft.com/office/drawing/2014/main" id="{E0257992-234E-4FD5-940F-47BF6586FC30}"/>
+                <a16:creationId xmlns:a16="http://schemas.microsoft.com/office/drawing/2014/main" xmlns="" id="{E0257992-234E-4FD5-940F-47BF6586FC30}"/>
               </a:ext>
             </a:extLst>
           </p:cNvPr>
@@ -4596,6 +4617,30 @@
           <a:xfrm>
             <a:off x="1839191" y="583525"/>
             <a:ext cx="8513618" cy="6089602"/>
+          </a:xfrm>
+          <a:prstGeom prst="rect">
+            <a:avLst/>
+          </a:prstGeom>
+        </p:spPr>
+      </p:pic>
+      <p:pic>
+        <p:nvPicPr>
+          <p:cNvPr id="3" name="그림 2"/>
+          <p:cNvPicPr>
+            <a:picLocks noChangeAspect="1"/>
+          </p:cNvPicPr>
+          <p:nvPr/>
+        </p:nvPicPr>
+        <p:blipFill>
+          <a:blip r:embed="rId3"/>
+          <a:stretch>
+            <a:fillRect/>
+          </a:stretch>
+        </p:blipFill>
+        <p:spPr>
+          <a:xfrm>
+            <a:off x="8096210" y="2823539"/>
+            <a:ext cx="2256599" cy="1265382"/>
           </a:xfrm>
           <a:prstGeom prst="rect">
             <a:avLst/>
@@ -4637,7 +4682,7 @@
           <p:cNvPr id="3" name="직선 연결선 2">
             <a:extLst>
               <a:ext uri="{FF2B5EF4-FFF2-40B4-BE49-F238E27FC236}">
-                <a16:creationId xmlns:a16="http://schemas.microsoft.com/office/drawing/2014/main" id="{28440DBE-91E6-47C8-8CD2-52AFFFC36225}"/>
+                <a16:creationId xmlns:a16="http://schemas.microsoft.com/office/drawing/2014/main" xmlns="" id="{28440DBE-91E6-47C8-8CD2-52AFFFC36225}"/>
               </a:ext>
             </a:extLst>
           </p:cNvPr>
@@ -4681,7 +4726,7 @@
           <p:cNvPr id="29" name="그룹 28">
             <a:extLst>
               <a:ext uri="{FF2B5EF4-FFF2-40B4-BE49-F238E27FC236}">
-                <a16:creationId xmlns:a16="http://schemas.microsoft.com/office/drawing/2014/main" id="{592A907A-7634-49F1-82E6-E0C8D5A51C86}"/>
+                <a16:creationId xmlns:a16="http://schemas.microsoft.com/office/drawing/2014/main" xmlns="" id="{592A907A-7634-49F1-82E6-E0C8D5A51C86}"/>
               </a:ext>
             </a:extLst>
           </p:cNvPr>
@@ -4701,7 +4746,7 @@
             <p:cNvPr id="30" name="타원 29">
               <a:extLst>
                 <a:ext uri="{FF2B5EF4-FFF2-40B4-BE49-F238E27FC236}">
-                  <a16:creationId xmlns:a16="http://schemas.microsoft.com/office/drawing/2014/main" id="{95857358-815F-4B21-A0CC-B2922F639D70}"/>
+                  <a16:creationId xmlns:a16="http://schemas.microsoft.com/office/drawing/2014/main" xmlns="" id="{95857358-815F-4B21-A0CC-B2922F639D70}"/>
                 </a:ext>
               </a:extLst>
             </p:cNvPr>
@@ -4753,7 +4798,7 @@
             <p:cNvPr id="31" name="타원 30">
               <a:extLst>
                 <a:ext uri="{FF2B5EF4-FFF2-40B4-BE49-F238E27FC236}">
-                  <a16:creationId xmlns:a16="http://schemas.microsoft.com/office/drawing/2014/main" id="{B599B735-87B5-4A92-A967-A2394B3735DF}"/>
+                  <a16:creationId xmlns:a16="http://schemas.microsoft.com/office/drawing/2014/main" xmlns="" id="{B599B735-87B5-4A92-A967-A2394B3735DF}"/>
                 </a:ext>
               </a:extLst>
             </p:cNvPr>
@@ -4806,7 +4851,7 @@
           <p:cNvPr id="32" name="TextBox 31">
             <a:extLst>
               <a:ext uri="{FF2B5EF4-FFF2-40B4-BE49-F238E27FC236}">
-                <a16:creationId xmlns:a16="http://schemas.microsoft.com/office/drawing/2014/main" id="{531E1C71-53D2-48F9-A6BF-9C2F4F61CFAE}"/>
+                <a16:creationId xmlns:a16="http://schemas.microsoft.com/office/drawing/2014/main" xmlns="" id="{531E1C71-53D2-48F9-A6BF-9C2F4F61CFAE}"/>
               </a:ext>
             </a:extLst>
           </p:cNvPr>
@@ -4842,7 +4887,7 @@
           <p:cNvPr id="45" name="그림 44">
             <a:extLst>
               <a:ext uri="{FF2B5EF4-FFF2-40B4-BE49-F238E27FC236}">
-                <a16:creationId xmlns:a16="http://schemas.microsoft.com/office/drawing/2014/main" id="{279EE1AF-7AB0-4B32-AC1A-1FA0064EC74A}"/>
+                <a16:creationId xmlns:a16="http://schemas.microsoft.com/office/drawing/2014/main" xmlns="" id="{279EE1AF-7AB0-4B32-AC1A-1FA0064EC74A}"/>
               </a:ext>
             </a:extLst>
           </p:cNvPr>
@@ -4878,7 +4923,7 @@
           <p:cNvPr id="28" name="그룹 27">
             <a:extLst>
               <a:ext uri="{FF2B5EF4-FFF2-40B4-BE49-F238E27FC236}">
-                <a16:creationId xmlns:a16="http://schemas.microsoft.com/office/drawing/2014/main" id="{C3C2CB45-848D-48E1-BD87-585E9F7EA30C}"/>
+                <a16:creationId xmlns:a16="http://schemas.microsoft.com/office/drawing/2014/main" xmlns="" id="{C3C2CB45-848D-48E1-BD87-585E9F7EA30C}"/>
               </a:ext>
             </a:extLst>
           </p:cNvPr>
@@ -4898,7 +4943,7 @@
             <p:cNvPr id="46" name="타원 45">
               <a:extLst>
                 <a:ext uri="{FF2B5EF4-FFF2-40B4-BE49-F238E27FC236}">
-                  <a16:creationId xmlns:a16="http://schemas.microsoft.com/office/drawing/2014/main" id="{EF2B87D4-AC87-4EFB-BD85-41574590A490}"/>
+                  <a16:creationId xmlns:a16="http://schemas.microsoft.com/office/drawing/2014/main" xmlns="" id="{EF2B87D4-AC87-4EFB-BD85-41574590A490}"/>
                 </a:ext>
               </a:extLst>
             </p:cNvPr>
@@ -4950,7 +4995,7 @@
             <p:cNvPr id="47" name="타원 46">
               <a:extLst>
                 <a:ext uri="{FF2B5EF4-FFF2-40B4-BE49-F238E27FC236}">
-                  <a16:creationId xmlns:a16="http://schemas.microsoft.com/office/drawing/2014/main" id="{2C0FC914-4752-4EFD-95A2-7E0AABF120B4}"/>
+                  <a16:creationId xmlns:a16="http://schemas.microsoft.com/office/drawing/2014/main" xmlns="" id="{2C0FC914-4752-4EFD-95A2-7E0AABF120B4}"/>
                 </a:ext>
               </a:extLst>
             </p:cNvPr>
@@ -5003,7 +5048,7 @@
           <p:cNvPr id="48" name="TextBox 47">
             <a:extLst>
               <a:ext uri="{FF2B5EF4-FFF2-40B4-BE49-F238E27FC236}">
-                <a16:creationId xmlns:a16="http://schemas.microsoft.com/office/drawing/2014/main" id="{63F7D6E8-D260-4E88-874C-D848FE40599B}"/>
+                <a16:creationId xmlns:a16="http://schemas.microsoft.com/office/drawing/2014/main" xmlns="" id="{63F7D6E8-D260-4E88-874C-D848FE40599B}"/>
               </a:ext>
             </a:extLst>
           </p:cNvPr>
@@ -5069,7 +5114,7 @@
           <p:cNvPr id="4" name="제목 3">
             <a:extLst>
               <a:ext uri="{FF2B5EF4-FFF2-40B4-BE49-F238E27FC236}">
-                <a16:creationId xmlns:a16="http://schemas.microsoft.com/office/drawing/2014/main" id="{06788E19-EF8D-4AF3-AC50-332C4F6D50E8}"/>
+                <a16:creationId xmlns:a16="http://schemas.microsoft.com/office/drawing/2014/main" xmlns="" id="{06788E19-EF8D-4AF3-AC50-332C4F6D50E8}"/>
               </a:ext>
             </a:extLst>
           </p:cNvPr>
@@ -5097,7 +5142,7 @@
           <p:cNvPr id="5" name="텍스트 개체 틀 4">
             <a:extLst>
               <a:ext uri="{FF2B5EF4-FFF2-40B4-BE49-F238E27FC236}">
-                <a16:creationId xmlns:a16="http://schemas.microsoft.com/office/drawing/2014/main" id="{8CF1750D-3FA5-4B80-95A4-A0DB3E9D553C}"/>
+                <a16:creationId xmlns:a16="http://schemas.microsoft.com/office/drawing/2014/main" xmlns="" id="{8CF1750D-3FA5-4B80-95A4-A0DB3E9D553C}"/>
               </a:ext>
             </a:extLst>
           </p:cNvPr>
@@ -5129,7 +5174,7 @@
           <p:cNvPr id="3" name="그림 2">
             <a:extLst>
               <a:ext uri="{FF2B5EF4-FFF2-40B4-BE49-F238E27FC236}">
-                <a16:creationId xmlns:a16="http://schemas.microsoft.com/office/drawing/2014/main" id="{D9906148-A0E8-4C65-883F-4F207D05E3ED}"/>
+                <a16:creationId xmlns:a16="http://schemas.microsoft.com/office/drawing/2014/main" xmlns="" id="{D9906148-A0E8-4C65-883F-4F207D05E3ED}"/>
               </a:ext>
             </a:extLst>
           </p:cNvPr>
@@ -5189,7 +5234,7 @@
           <p:cNvPr id="4" name="제목 3">
             <a:extLst>
               <a:ext uri="{FF2B5EF4-FFF2-40B4-BE49-F238E27FC236}">
-                <a16:creationId xmlns:a16="http://schemas.microsoft.com/office/drawing/2014/main" id="{06788E19-EF8D-4AF3-AC50-332C4F6D50E8}"/>
+                <a16:creationId xmlns:a16="http://schemas.microsoft.com/office/drawing/2014/main" xmlns="" id="{06788E19-EF8D-4AF3-AC50-332C4F6D50E8}"/>
               </a:ext>
             </a:extLst>
           </p:cNvPr>
@@ -5217,7 +5262,7 @@
           <p:cNvPr id="5" name="텍스트 개체 틀 4">
             <a:extLst>
               <a:ext uri="{FF2B5EF4-FFF2-40B4-BE49-F238E27FC236}">
-                <a16:creationId xmlns:a16="http://schemas.microsoft.com/office/drawing/2014/main" id="{8CF1750D-3FA5-4B80-95A4-A0DB3E9D553C}"/>
+                <a16:creationId xmlns:a16="http://schemas.microsoft.com/office/drawing/2014/main" xmlns="" id="{8CF1750D-3FA5-4B80-95A4-A0DB3E9D553C}"/>
               </a:ext>
             </a:extLst>
           </p:cNvPr>
@@ -5249,7 +5294,7 @@
           <p:cNvPr id="2" name="그림 1">
             <a:extLst>
               <a:ext uri="{FF2B5EF4-FFF2-40B4-BE49-F238E27FC236}">
-                <a16:creationId xmlns:a16="http://schemas.microsoft.com/office/drawing/2014/main" id="{2AC3A9D2-1F4D-410A-AC19-4114B1A53E0D}"/>
+                <a16:creationId xmlns:a16="http://schemas.microsoft.com/office/drawing/2014/main" xmlns="" id="{2AC3A9D2-1F4D-410A-AC19-4114B1A53E0D}"/>
               </a:ext>
             </a:extLst>
           </p:cNvPr>
@@ -5279,7 +5324,7 @@
           <p:cNvPr id="6" name="그림 5">
             <a:extLst>
               <a:ext uri="{FF2B5EF4-FFF2-40B4-BE49-F238E27FC236}">
-                <a16:creationId xmlns:a16="http://schemas.microsoft.com/office/drawing/2014/main" id="{6876C14F-F6B4-4FA9-868C-CF6A45CEEFBA}"/>
+                <a16:creationId xmlns:a16="http://schemas.microsoft.com/office/drawing/2014/main" xmlns="" id="{6876C14F-F6B4-4FA9-868C-CF6A45CEEFBA}"/>
               </a:ext>
             </a:extLst>
           </p:cNvPr>
@@ -5339,7 +5384,7 @@
           <p:cNvPr id="4" name="제목 3">
             <a:extLst>
               <a:ext uri="{FF2B5EF4-FFF2-40B4-BE49-F238E27FC236}">
-                <a16:creationId xmlns:a16="http://schemas.microsoft.com/office/drawing/2014/main" id="{06788E19-EF8D-4AF3-AC50-332C4F6D50E8}"/>
+                <a16:creationId xmlns:a16="http://schemas.microsoft.com/office/drawing/2014/main" xmlns="" id="{06788E19-EF8D-4AF3-AC50-332C4F6D50E8}"/>
               </a:ext>
             </a:extLst>
           </p:cNvPr>
@@ -5367,7 +5412,7 @@
           <p:cNvPr id="5" name="텍스트 개체 틀 4">
             <a:extLst>
               <a:ext uri="{FF2B5EF4-FFF2-40B4-BE49-F238E27FC236}">
-                <a16:creationId xmlns:a16="http://schemas.microsoft.com/office/drawing/2014/main" id="{8CF1750D-3FA5-4B80-95A4-A0DB3E9D553C}"/>
+                <a16:creationId xmlns:a16="http://schemas.microsoft.com/office/drawing/2014/main" xmlns="" id="{8CF1750D-3FA5-4B80-95A4-A0DB3E9D553C}"/>
               </a:ext>
             </a:extLst>
           </p:cNvPr>
@@ -5399,7 +5444,7 @@
           <p:cNvPr id="3" name="그림 2">
             <a:extLst>
               <a:ext uri="{FF2B5EF4-FFF2-40B4-BE49-F238E27FC236}">
-                <a16:creationId xmlns:a16="http://schemas.microsoft.com/office/drawing/2014/main" id="{3E3A66C6-8C06-4C44-A7E4-CEEBDA9A7342}"/>
+                <a16:creationId xmlns:a16="http://schemas.microsoft.com/office/drawing/2014/main" xmlns="" id="{3E3A66C6-8C06-4C44-A7E4-CEEBDA9A7342}"/>
               </a:ext>
             </a:extLst>
           </p:cNvPr>
@@ -5429,7 +5474,7 @@
           <p:cNvPr id="7" name="그림 6">
             <a:extLst>
               <a:ext uri="{FF2B5EF4-FFF2-40B4-BE49-F238E27FC236}">
-                <a16:creationId xmlns:a16="http://schemas.microsoft.com/office/drawing/2014/main" id="{A28BFB7E-511F-4AF4-8478-C0528A41067C}"/>
+                <a16:creationId xmlns:a16="http://schemas.microsoft.com/office/drawing/2014/main" xmlns="" id="{A28BFB7E-511F-4AF4-8478-C0528A41067C}"/>
               </a:ext>
             </a:extLst>
           </p:cNvPr>
@@ -5459,7 +5504,7 @@
           <p:cNvPr id="8" name="그림 7">
             <a:extLst>
               <a:ext uri="{FF2B5EF4-FFF2-40B4-BE49-F238E27FC236}">
-                <a16:creationId xmlns:a16="http://schemas.microsoft.com/office/drawing/2014/main" id="{D4D05B90-9188-428C-BB8C-C78A35E1E1CD}"/>
+                <a16:creationId xmlns:a16="http://schemas.microsoft.com/office/drawing/2014/main" xmlns="" id="{D4D05B90-9188-428C-BB8C-C78A35E1E1CD}"/>
               </a:ext>
             </a:extLst>
           </p:cNvPr>
@@ -5519,7 +5564,7 @@
           <p:cNvPr id="4" name="제목 3">
             <a:extLst>
               <a:ext uri="{FF2B5EF4-FFF2-40B4-BE49-F238E27FC236}">
-                <a16:creationId xmlns:a16="http://schemas.microsoft.com/office/drawing/2014/main" id="{06788E19-EF8D-4AF3-AC50-332C4F6D50E8}"/>
+                <a16:creationId xmlns:a16="http://schemas.microsoft.com/office/drawing/2014/main" xmlns="" id="{06788E19-EF8D-4AF3-AC50-332C4F6D50E8}"/>
               </a:ext>
             </a:extLst>
           </p:cNvPr>
@@ -5551,7 +5596,7 @@
           <p:cNvPr id="5" name="텍스트 개체 틀 4">
             <a:extLst>
               <a:ext uri="{FF2B5EF4-FFF2-40B4-BE49-F238E27FC236}">
-                <a16:creationId xmlns:a16="http://schemas.microsoft.com/office/drawing/2014/main" id="{8CF1750D-3FA5-4B80-95A4-A0DB3E9D553C}"/>
+                <a16:creationId xmlns:a16="http://schemas.microsoft.com/office/drawing/2014/main" xmlns="" id="{8CF1750D-3FA5-4B80-95A4-A0DB3E9D553C}"/>
               </a:ext>
             </a:extLst>
           </p:cNvPr>
@@ -5583,7 +5628,7 @@
           <p:cNvPr id="2" name="그림 1">
             <a:extLst>
               <a:ext uri="{FF2B5EF4-FFF2-40B4-BE49-F238E27FC236}">
-                <a16:creationId xmlns:a16="http://schemas.microsoft.com/office/drawing/2014/main" id="{4D5EF8B2-B864-40FE-974F-5C326BF3867A}"/>
+                <a16:creationId xmlns:a16="http://schemas.microsoft.com/office/drawing/2014/main" xmlns="" id="{4D5EF8B2-B864-40FE-974F-5C326BF3867A}"/>
               </a:ext>
             </a:extLst>
           </p:cNvPr>
@@ -5643,7 +5688,7 @@
           <p:cNvPr id="4" name="제목 3">
             <a:extLst>
               <a:ext uri="{FF2B5EF4-FFF2-40B4-BE49-F238E27FC236}">
-                <a16:creationId xmlns:a16="http://schemas.microsoft.com/office/drawing/2014/main" id="{06788E19-EF8D-4AF3-AC50-332C4F6D50E8}"/>
+                <a16:creationId xmlns:a16="http://schemas.microsoft.com/office/drawing/2014/main" xmlns="" id="{06788E19-EF8D-4AF3-AC50-332C4F6D50E8}"/>
               </a:ext>
             </a:extLst>
           </p:cNvPr>
@@ -5671,7 +5716,7 @@
           <p:cNvPr id="5" name="텍스트 개체 틀 4">
             <a:extLst>
               <a:ext uri="{FF2B5EF4-FFF2-40B4-BE49-F238E27FC236}">
-                <a16:creationId xmlns:a16="http://schemas.microsoft.com/office/drawing/2014/main" id="{8CF1750D-3FA5-4B80-95A4-A0DB3E9D553C}"/>
+                <a16:creationId xmlns:a16="http://schemas.microsoft.com/office/drawing/2014/main" xmlns="" id="{8CF1750D-3FA5-4B80-95A4-A0DB3E9D553C}"/>
               </a:ext>
             </a:extLst>
           </p:cNvPr>
@@ -5703,7 +5748,7 @@
           <p:cNvPr id="3" name="그림 2">
             <a:extLst>
               <a:ext uri="{FF2B5EF4-FFF2-40B4-BE49-F238E27FC236}">
-                <a16:creationId xmlns:a16="http://schemas.microsoft.com/office/drawing/2014/main" id="{22CC087B-2D46-4E56-B9AA-27E43DC03E01}"/>
+                <a16:creationId xmlns:a16="http://schemas.microsoft.com/office/drawing/2014/main" xmlns="" id="{22CC087B-2D46-4E56-B9AA-27E43DC03E01}"/>
               </a:ext>
             </a:extLst>
           </p:cNvPr>
@@ -5733,7 +5778,7 @@
           <p:cNvPr id="6" name="직사각형 5">
             <a:extLst>
               <a:ext uri="{FF2B5EF4-FFF2-40B4-BE49-F238E27FC236}">
-                <a16:creationId xmlns:a16="http://schemas.microsoft.com/office/drawing/2014/main" id="{2CB0932C-9BDD-4DB2-9207-467B4E9C6A18}"/>
+                <a16:creationId xmlns:a16="http://schemas.microsoft.com/office/drawing/2014/main" xmlns="" id="{2CB0932C-9BDD-4DB2-9207-467B4E9C6A18}"/>
               </a:ext>
             </a:extLst>
           </p:cNvPr>
@@ -5799,7 +5844,7 @@
           <p:cNvPr id="7" name="직사각형 6">
             <a:extLst>
               <a:ext uri="{FF2B5EF4-FFF2-40B4-BE49-F238E27FC236}">
-                <a16:creationId xmlns:a16="http://schemas.microsoft.com/office/drawing/2014/main" id="{5C261B85-A2F0-415C-8DC8-A4FC58B80F54}"/>
+                <a16:creationId xmlns:a16="http://schemas.microsoft.com/office/drawing/2014/main" xmlns="" id="{5C261B85-A2F0-415C-8DC8-A4FC58B80F54}"/>
               </a:ext>
             </a:extLst>
           </p:cNvPr>
@@ -5865,7 +5910,7 @@
           <p:cNvPr id="8" name="직사각형 7">
             <a:extLst>
               <a:ext uri="{FF2B5EF4-FFF2-40B4-BE49-F238E27FC236}">
-                <a16:creationId xmlns:a16="http://schemas.microsoft.com/office/drawing/2014/main" id="{F7308E8C-41F1-4D45-83F5-7A4F0D39FAC2}"/>
+                <a16:creationId xmlns:a16="http://schemas.microsoft.com/office/drawing/2014/main" xmlns="" id="{F7308E8C-41F1-4D45-83F5-7A4F0D39FAC2}"/>
               </a:ext>
             </a:extLst>
           </p:cNvPr>
@@ -5924,7 +5969,7 @@
           <p:cNvPr id="9" name="직사각형 8">
             <a:extLst>
               <a:ext uri="{FF2B5EF4-FFF2-40B4-BE49-F238E27FC236}">
-                <a16:creationId xmlns:a16="http://schemas.microsoft.com/office/drawing/2014/main" id="{94802D97-5BF7-4DC5-B0FF-B42EA968C9C0}"/>
+                <a16:creationId xmlns:a16="http://schemas.microsoft.com/office/drawing/2014/main" xmlns="" id="{94802D97-5BF7-4DC5-B0FF-B42EA968C9C0}"/>
               </a:ext>
             </a:extLst>
           </p:cNvPr>
@@ -5990,7 +6035,7 @@
           <p:cNvPr id="10" name="직사각형 9">
             <a:extLst>
               <a:ext uri="{FF2B5EF4-FFF2-40B4-BE49-F238E27FC236}">
-                <a16:creationId xmlns:a16="http://schemas.microsoft.com/office/drawing/2014/main" id="{8313FC09-F13F-47AD-83CA-A0C2534C9BBD}"/>
+                <a16:creationId xmlns:a16="http://schemas.microsoft.com/office/drawing/2014/main" xmlns="" id="{8313FC09-F13F-47AD-83CA-A0C2534C9BBD}"/>
               </a:ext>
             </a:extLst>
           </p:cNvPr>
@@ -6056,7 +6101,7 @@
           <p:cNvPr id="11" name="직사각형 10">
             <a:extLst>
               <a:ext uri="{FF2B5EF4-FFF2-40B4-BE49-F238E27FC236}">
-                <a16:creationId xmlns:a16="http://schemas.microsoft.com/office/drawing/2014/main" id="{7A8F936F-9A0F-4552-B523-6B07955F3FA2}"/>
+                <a16:creationId xmlns:a16="http://schemas.microsoft.com/office/drawing/2014/main" xmlns="" id="{7A8F936F-9A0F-4552-B523-6B07955F3FA2}"/>
               </a:ext>
             </a:extLst>
           </p:cNvPr>
@@ -6115,7 +6160,7 @@
           <p:cNvPr id="12" name="직사각형 11">
             <a:extLst>
               <a:ext uri="{FF2B5EF4-FFF2-40B4-BE49-F238E27FC236}">
-                <a16:creationId xmlns:a16="http://schemas.microsoft.com/office/drawing/2014/main" id="{031F5A74-96A7-4732-832A-3E82FF0ABE99}"/>
+                <a16:creationId xmlns:a16="http://schemas.microsoft.com/office/drawing/2014/main" xmlns="" id="{031F5A74-96A7-4732-832A-3E82FF0ABE99}"/>
               </a:ext>
             </a:extLst>
           </p:cNvPr>
@@ -6181,7 +6226,7 @@
           <p:cNvPr id="13" name="직사각형 12">
             <a:extLst>
               <a:ext uri="{FF2B5EF4-FFF2-40B4-BE49-F238E27FC236}">
-                <a16:creationId xmlns:a16="http://schemas.microsoft.com/office/drawing/2014/main" id="{73EBE607-B0EF-4B1F-9081-6808CFF32250}"/>
+                <a16:creationId xmlns:a16="http://schemas.microsoft.com/office/drawing/2014/main" xmlns="" id="{73EBE607-B0EF-4B1F-9081-6808CFF32250}"/>
               </a:ext>
             </a:extLst>
           </p:cNvPr>
@@ -6247,7 +6292,7 @@
           <p:cNvPr id="14" name="직사각형 13">
             <a:extLst>
               <a:ext uri="{FF2B5EF4-FFF2-40B4-BE49-F238E27FC236}">
-                <a16:creationId xmlns:a16="http://schemas.microsoft.com/office/drawing/2014/main" id="{B1BD3DB1-B894-4CB5-BAA2-92D3E3DFE4E7}"/>
+                <a16:creationId xmlns:a16="http://schemas.microsoft.com/office/drawing/2014/main" xmlns="" id="{B1BD3DB1-B894-4CB5-BAA2-92D3E3DFE4E7}"/>
               </a:ext>
             </a:extLst>
           </p:cNvPr>
@@ -6306,7 +6351,7 @@
           <p:cNvPr id="15" name="그림 14">
             <a:extLst>
               <a:ext uri="{FF2B5EF4-FFF2-40B4-BE49-F238E27FC236}">
-                <a16:creationId xmlns:a16="http://schemas.microsoft.com/office/drawing/2014/main" id="{87FFD222-1950-4B47-82BE-72ED502E1043}"/>
+                <a16:creationId xmlns:a16="http://schemas.microsoft.com/office/drawing/2014/main" xmlns="" id="{87FFD222-1950-4B47-82BE-72ED502E1043}"/>
               </a:ext>
             </a:extLst>
           </p:cNvPr>
@@ -6335,7 +6380,7 @@
           <p:cNvPr id="17" name="직선 화살표 연결선 16">
             <a:extLst>
               <a:ext uri="{FF2B5EF4-FFF2-40B4-BE49-F238E27FC236}">
-                <a16:creationId xmlns:a16="http://schemas.microsoft.com/office/drawing/2014/main" id="{B849FC6C-A3E2-4278-9B67-3A76459363F8}"/>
+                <a16:creationId xmlns:a16="http://schemas.microsoft.com/office/drawing/2014/main" xmlns="" id="{B849FC6C-A3E2-4278-9B67-3A76459363F8}"/>
               </a:ext>
             </a:extLst>
           </p:cNvPr>
@@ -6377,7 +6422,7 @@
           <p:cNvPr id="18" name="직선 화살표 연결선 17">
             <a:extLst>
               <a:ext uri="{FF2B5EF4-FFF2-40B4-BE49-F238E27FC236}">
-                <a16:creationId xmlns:a16="http://schemas.microsoft.com/office/drawing/2014/main" id="{0CC41C64-5FEC-4581-9C04-8AC0BC12F309}"/>
+                <a16:creationId xmlns:a16="http://schemas.microsoft.com/office/drawing/2014/main" xmlns="" id="{0CC41C64-5FEC-4581-9C04-8AC0BC12F309}"/>
               </a:ext>
             </a:extLst>
           </p:cNvPr>
@@ -6449,7 +6494,7 @@
           <p:cNvPr id="4" name="제목 3">
             <a:extLst>
               <a:ext uri="{FF2B5EF4-FFF2-40B4-BE49-F238E27FC236}">
-                <a16:creationId xmlns:a16="http://schemas.microsoft.com/office/drawing/2014/main" id="{06788E19-EF8D-4AF3-AC50-332C4F6D50E8}"/>
+                <a16:creationId xmlns:a16="http://schemas.microsoft.com/office/drawing/2014/main" xmlns="" id="{06788E19-EF8D-4AF3-AC50-332C4F6D50E8}"/>
               </a:ext>
             </a:extLst>
           </p:cNvPr>
@@ -6477,7 +6522,7 @@
           <p:cNvPr id="5" name="텍스트 개체 틀 4">
             <a:extLst>
               <a:ext uri="{FF2B5EF4-FFF2-40B4-BE49-F238E27FC236}">
-                <a16:creationId xmlns:a16="http://schemas.microsoft.com/office/drawing/2014/main" id="{8CF1750D-3FA5-4B80-95A4-A0DB3E9D553C}"/>
+                <a16:creationId xmlns:a16="http://schemas.microsoft.com/office/drawing/2014/main" xmlns="" id="{8CF1750D-3FA5-4B80-95A4-A0DB3E9D553C}"/>
               </a:ext>
             </a:extLst>
           </p:cNvPr>
@@ -6509,7 +6554,7 @@
           <p:cNvPr id="2" name="그림 1">
             <a:extLst>
               <a:ext uri="{FF2B5EF4-FFF2-40B4-BE49-F238E27FC236}">
-                <a16:creationId xmlns:a16="http://schemas.microsoft.com/office/drawing/2014/main" id="{269FE908-F1C5-46B1-BFF5-A1F2462DA4C5}"/>
+                <a16:creationId xmlns:a16="http://schemas.microsoft.com/office/drawing/2014/main" xmlns="" id="{269FE908-F1C5-46B1-BFF5-A1F2462DA4C5}"/>
               </a:ext>
             </a:extLst>
           </p:cNvPr>
@@ -6539,7 +6584,7 @@
           <p:cNvPr id="16" name="그림 15">
             <a:extLst>
               <a:ext uri="{FF2B5EF4-FFF2-40B4-BE49-F238E27FC236}">
-                <a16:creationId xmlns:a16="http://schemas.microsoft.com/office/drawing/2014/main" id="{82F1A9AA-D9F8-4C3F-80FB-1E9B58611940}"/>
+                <a16:creationId xmlns:a16="http://schemas.microsoft.com/office/drawing/2014/main" xmlns="" id="{82F1A9AA-D9F8-4C3F-80FB-1E9B58611940}"/>
               </a:ext>
             </a:extLst>
           </p:cNvPr>
@@ -6599,7 +6644,7 @@
           <p:cNvPr id="4" name="제목 3">
             <a:extLst>
               <a:ext uri="{FF2B5EF4-FFF2-40B4-BE49-F238E27FC236}">
-                <a16:creationId xmlns:a16="http://schemas.microsoft.com/office/drawing/2014/main" id="{06788E19-EF8D-4AF3-AC50-332C4F6D50E8}"/>
+                <a16:creationId xmlns:a16="http://schemas.microsoft.com/office/drawing/2014/main" xmlns="" id="{06788E19-EF8D-4AF3-AC50-332C4F6D50E8}"/>
               </a:ext>
             </a:extLst>
           </p:cNvPr>
@@ -6627,7 +6672,7 @@
           <p:cNvPr id="5" name="텍스트 개체 틀 4">
             <a:extLst>
               <a:ext uri="{FF2B5EF4-FFF2-40B4-BE49-F238E27FC236}">
-                <a16:creationId xmlns:a16="http://schemas.microsoft.com/office/drawing/2014/main" id="{8CF1750D-3FA5-4B80-95A4-A0DB3E9D553C}"/>
+                <a16:creationId xmlns:a16="http://schemas.microsoft.com/office/drawing/2014/main" xmlns="" id="{8CF1750D-3FA5-4B80-95A4-A0DB3E9D553C}"/>
               </a:ext>
             </a:extLst>
           </p:cNvPr>
@@ -6659,7 +6704,7 @@
           <p:cNvPr id="3" name="그림 2">
             <a:extLst>
               <a:ext uri="{FF2B5EF4-FFF2-40B4-BE49-F238E27FC236}">
-                <a16:creationId xmlns:a16="http://schemas.microsoft.com/office/drawing/2014/main" id="{410E1574-6520-4BAA-BB71-3E2AA51E911B}"/>
+                <a16:creationId xmlns:a16="http://schemas.microsoft.com/office/drawing/2014/main" xmlns="" id="{410E1574-6520-4BAA-BB71-3E2AA51E911B}"/>
               </a:ext>
             </a:extLst>
           </p:cNvPr>
@@ -6719,7 +6764,7 @@
           <p:cNvPr id="4" name="제목 3">
             <a:extLst>
               <a:ext uri="{FF2B5EF4-FFF2-40B4-BE49-F238E27FC236}">
-                <a16:creationId xmlns:a16="http://schemas.microsoft.com/office/drawing/2014/main" id="{06788E19-EF8D-4AF3-AC50-332C4F6D50E8}"/>
+                <a16:creationId xmlns:a16="http://schemas.microsoft.com/office/drawing/2014/main" xmlns="" id="{06788E19-EF8D-4AF3-AC50-332C4F6D50E8}"/>
               </a:ext>
             </a:extLst>
           </p:cNvPr>
@@ -6747,7 +6792,7 @@
           <p:cNvPr id="5" name="텍스트 개체 틀 4">
             <a:extLst>
               <a:ext uri="{FF2B5EF4-FFF2-40B4-BE49-F238E27FC236}">
-                <a16:creationId xmlns:a16="http://schemas.microsoft.com/office/drawing/2014/main" id="{8CF1750D-3FA5-4B80-95A4-A0DB3E9D553C}"/>
+                <a16:creationId xmlns:a16="http://schemas.microsoft.com/office/drawing/2014/main" xmlns="" id="{8CF1750D-3FA5-4B80-95A4-A0DB3E9D553C}"/>
               </a:ext>
             </a:extLst>
           </p:cNvPr>
@@ -6779,7 +6824,7 @@
           <p:cNvPr id="2" name="그림 1">
             <a:extLst>
               <a:ext uri="{FF2B5EF4-FFF2-40B4-BE49-F238E27FC236}">
-                <a16:creationId xmlns:a16="http://schemas.microsoft.com/office/drawing/2014/main" id="{51D526C7-3E4F-4720-A766-DE7246552D63}"/>
+                <a16:creationId xmlns:a16="http://schemas.microsoft.com/office/drawing/2014/main" xmlns="" id="{51D526C7-3E4F-4720-A766-DE7246552D63}"/>
               </a:ext>
             </a:extLst>
           </p:cNvPr>
@@ -6896,7 +6941,7 @@
           <p:cNvPr id="4" name="제목 3">
             <a:extLst>
               <a:ext uri="{FF2B5EF4-FFF2-40B4-BE49-F238E27FC236}">
-                <a16:creationId xmlns:a16="http://schemas.microsoft.com/office/drawing/2014/main" id="{06788E19-EF8D-4AF3-AC50-332C4F6D50E8}"/>
+                <a16:creationId xmlns:a16="http://schemas.microsoft.com/office/drawing/2014/main" xmlns="" id="{06788E19-EF8D-4AF3-AC50-332C4F6D50E8}"/>
               </a:ext>
             </a:extLst>
           </p:cNvPr>
@@ -6912,7 +6957,11 @@
           <a:bodyPr/>
           <a:lstStyle/>
           <a:p>
-            <a:endParaRPr lang="ko-KR" altLang="en-US"/>
+            <a:r>
+              <a:rPr lang="ko-KR" altLang="en-US" dirty="0" smtClean="0"/>
+              <a:t>파일 입출력</a:t>
+            </a:r>
+            <a:endParaRPr lang="ko-KR" altLang="en-US" dirty="0"/>
           </a:p>
         </p:txBody>
       </p:sp>
@@ -6921,7 +6970,7 @@
           <p:cNvPr id="5" name="텍스트 개체 틀 4">
             <a:extLst>
               <a:ext uri="{FF2B5EF4-FFF2-40B4-BE49-F238E27FC236}">
-                <a16:creationId xmlns:a16="http://schemas.microsoft.com/office/drawing/2014/main" id="{8CF1750D-3FA5-4B80-95A4-A0DB3E9D553C}"/>
+                <a16:creationId xmlns:a16="http://schemas.microsoft.com/office/drawing/2014/main" xmlns="" id="{8CF1750D-3FA5-4B80-95A4-A0DB3E9D553C}"/>
               </a:ext>
             </a:extLst>
           </p:cNvPr>
@@ -6953,7 +7002,7 @@
           <p:cNvPr id="2" name="그림 1">
             <a:extLst>
               <a:ext uri="{FF2B5EF4-FFF2-40B4-BE49-F238E27FC236}">
-                <a16:creationId xmlns:a16="http://schemas.microsoft.com/office/drawing/2014/main" id="{953336E9-DE10-47D2-9BFD-BEF9B0B69BFE}"/>
+                <a16:creationId xmlns:a16="http://schemas.microsoft.com/office/drawing/2014/main" xmlns="" id="{953336E9-DE10-47D2-9BFD-BEF9B0B69BFE}"/>
               </a:ext>
             </a:extLst>
           </p:cNvPr>
@@ -7070,7 +7119,7 @@
           <p:cNvPr id="4" name="제목 3">
             <a:extLst>
               <a:ext uri="{FF2B5EF4-FFF2-40B4-BE49-F238E27FC236}">
-                <a16:creationId xmlns:a16="http://schemas.microsoft.com/office/drawing/2014/main" id="{06788E19-EF8D-4AF3-AC50-332C4F6D50E8}"/>
+                <a16:creationId xmlns:a16="http://schemas.microsoft.com/office/drawing/2014/main" xmlns="" id="{06788E19-EF8D-4AF3-AC50-332C4F6D50E8}"/>
               </a:ext>
             </a:extLst>
           </p:cNvPr>
@@ -7086,7 +7135,11 @@
           <a:bodyPr/>
           <a:lstStyle/>
           <a:p>
-            <a:endParaRPr lang="ko-KR" altLang="en-US"/>
+            <a:r>
+              <a:rPr lang="ko-KR" altLang="en-US" dirty="0"/>
+              <a:t>파일 입출력</a:t>
+            </a:r>
+            <a:endParaRPr lang="ko-KR" altLang="en-US" dirty="0"/>
           </a:p>
         </p:txBody>
       </p:sp>
@@ -7095,7 +7148,7 @@
           <p:cNvPr id="5" name="텍스트 개체 틀 4">
             <a:extLst>
               <a:ext uri="{FF2B5EF4-FFF2-40B4-BE49-F238E27FC236}">
-                <a16:creationId xmlns:a16="http://schemas.microsoft.com/office/drawing/2014/main" id="{8CF1750D-3FA5-4B80-95A4-A0DB3E9D553C}"/>
+                <a16:creationId xmlns:a16="http://schemas.microsoft.com/office/drawing/2014/main" xmlns="" id="{8CF1750D-3FA5-4B80-95A4-A0DB3E9D553C}"/>
               </a:ext>
             </a:extLst>
           </p:cNvPr>
@@ -7127,7 +7180,7 @@
           <p:cNvPr id="3" name="그림 2">
             <a:extLst>
               <a:ext uri="{FF2B5EF4-FFF2-40B4-BE49-F238E27FC236}">
-                <a16:creationId xmlns:a16="http://schemas.microsoft.com/office/drawing/2014/main" id="{3A75855B-6E31-48F2-BE03-AD1BECC7B939}"/>
+                <a16:creationId xmlns:a16="http://schemas.microsoft.com/office/drawing/2014/main" xmlns="" id="{3A75855B-6E31-48F2-BE03-AD1BECC7B939}"/>
               </a:ext>
             </a:extLst>
           </p:cNvPr>
@@ -7157,7 +7210,7 @@
           <p:cNvPr id="6" name="그림 5">
             <a:extLst>
               <a:ext uri="{FF2B5EF4-FFF2-40B4-BE49-F238E27FC236}">
-                <a16:creationId xmlns:a16="http://schemas.microsoft.com/office/drawing/2014/main" id="{5C1943D2-ED20-4616-9A40-783A4025B136}"/>
+                <a16:creationId xmlns:a16="http://schemas.microsoft.com/office/drawing/2014/main" xmlns="" id="{5C1943D2-ED20-4616-9A40-783A4025B136}"/>
               </a:ext>
             </a:extLst>
           </p:cNvPr>
@@ -7274,7 +7327,7 @@
           <p:cNvPr id="4" name="제목 3">
             <a:extLst>
               <a:ext uri="{FF2B5EF4-FFF2-40B4-BE49-F238E27FC236}">
-                <a16:creationId xmlns:a16="http://schemas.microsoft.com/office/drawing/2014/main" id="{06788E19-EF8D-4AF3-AC50-332C4F6D50E8}"/>
+                <a16:creationId xmlns:a16="http://schemas.microsoft.com/office/drawing/2014/main" xmlns="" id="{06788E19-EF8D-4AF3-AC50-332C4F6D50E8}"/>
               </a:ext>
             </a:extLst>
           </p:cNvPr>
@@ -7302,7 +7355,7 @@
           <p:cNvPr id="5" name="텍스트 개체 틀 4">
             <a:extLst>
               <a:ext uri="{FF2B5EF4-FFF2-40B4-BE49-F238E27FC236}">
-                <a16:creationId xmlns:a16="http://schemas.microsoft.com/office/drawing/2014/main" id="{8CF1750D-3FA5-4B80-95A4-A0DB3E9D553C}"/>
+                <a16:creationId xmlns:a16="http://schemas.microsoft.com/office/drawing/2014/main" xmlns="" id="{8CF1750D-3FA5-4B80-95A4-A0DB3E9D553C}"/>
               </a:ext>
             </a:extLst>
           </p:cNvPr>
@@ -7334,7 +7387,7 @@
           <p:cNvPr id="6" name="그림 5">
             <a:extLst>
               <a:ext uri="{FF2B5EF4-FFF2-40B4-BE49-F238E27FC236}">
-                <a16:creationId xmlns:a16="http://schemas.microsoft.com/office/drawing/2014/main" id="{D459DE6A-1F4B-4BB1-B3F0-E97DEEF649CC}"/>
+                <a16:creationId xmlns:a16="http://schemas.microsoft.com/office/drawing/2014/main" xmlns="" id="{D459DE6A-1F4B-4BB1-B3F0-E97DEEF649CC}"/>
               </a:ext>
             </a:extLst>
           </p:cNvPr>
@@ -7353,6 +7406,29 @@
           <a:xfrm>
             <a:off x="232753" y="1539422"/>
             <a:ext cx="11726494" cy="3779155"/>
+          </a:xfrm>
+          <a:prstGeom prst="rect">
+            <a:avLst/>
+          </a:prstGeom>
+        </p:spPr>
+      </p:pic>
+      <p:pic>
+        <p:nvPicPr>
+          <p:cNvPr id="2" name="그림 1"/>
+          <p:cNvPicPr>
+            <a:picLocks noChangeAspect="1"/>
+          </p:cNvPicPr>
+          <p:nvPr/>
+        </p:nvPicPr>
+        <p:blipFill rotWithShape="1">
+          <a:blip r:embed="rId3"/>
+          <a:srcRect l="3533"/>
+          <a:stretch/>
+        </p:blipFill>
+        <p:spPr>
+          <a:xfrm>
+            <a:off x="6100763" y="2243138"/>
+            <a:ext cx="3901844" cy="976312"/>
           </a:xfrm>
           <a:prstGeom prst="rect">
             <a:avLst/>
@@ -7394,7 +7470,7 @@
           <p:cNvPr id="4" name="제목 3">
             <a:extLst>
               <a:ext uri="{FF2B5EF4-FFF2-40B4-BE49-F238E27FC236}">
-                <a16:creationId xmlns:a16="http://schemas.microsoft.com/office/drawing/2014/main" id="{06788E19-EF8D-4AF3-AC50-332C4F6D50E8}"/>
+                <a16:creationId xmlns:a16="http://schemas.microsoft.com/office/drawing/2014/main" xmlns="" id="{06788E19-EF8D-4AF3-AC50-332C4F6D50E8}"/>
               </a:ext>
             </a:extLst>
           </p:cNvPr>
@@ -7422,7 +7498,7 @@
           <p:cNvPr id="5" name="텍스트 개체 틀 4">
             <a:extLst>
               <a:ext uri="{FF2B5EF4-FFF2-40B4-BE49-F238E27FC236}">
-                <a16:creationId xmlns:a16="http://schemas.microsoft.com/office/drawing/2014/main" id="{8CF1750D-3FA5-4B80-95A4-A0DB3E9D553C}"/>
+                <a16:creationId xmlns:a16="http://schemas.microsoft.com/office/drawing/2014/main" xmlns="" id="{8CF1750D-3FA5-4B80-95A4-A0DB3E9D553C}"/>
               </a:ext>
             </a:extLst>
           </p:cNvPr>
@@ -7454,7 +7530,7 @@
           <p:cNvPr id="2" name="그림 1">
             <a:extLst>
               <a:ext uri="{FF2B5EF4-FFF2-40B4-BE49-F238E27FC236}">
-                <a16:creationId xmlns:a16="http://schemas.microsoft.com/office/drawing/2014/main" id="{842E2D4D-25EB-4D22-8120-C3CEBD2489A1}"/>
+                <a16:creationId xmlns:a16="http://schemas.microsoft.com/office/drawing/2014/main" xmlns="" id="{842E2D4D-25EB-4D22-8120-C3CEBD2489A1}"/>
               </a:ext>
             </a:extLst>
           </p:cNvPr>
@@ -7473,6 +7549,29 @@
           <a:xfrm>
             <a:off x="394341" y="1461654"/>
             <a:ext cx="11403317" cy="3934691"/>
+          </a:xfrm>
+          <a:prstGeom prst="rect">
+            <a:avLst/>
+          </a:prstGeom>
+        </p:spPr>
+      </p:pic>
+      <p:pic>
+        <p:nvPicPr>
+          <p:cNvPr id="6" name="그림 5"/>
+          <p:cNvPicPr>
+            <a:picLocks noChangeAspect="1"/>
+          </p:cNvPicPr>
+          <p:nvPr/>
+        </p:nvPicPr>
+        <p:blipFill rotWithShape="1">
+          <a:blip r:embed="rId3"/>
+          <a:srcRect l="3533"/>
+          <a:stretch/>
+        </p:blipFill>
+        <p:spPr>
+          <a:xfrm>
+            <a:off x="6100763" y="2243138"/>
+            <a:ext cx="3901844" cy="976312"/>
           </a:xfrm>
           <a:prstGeom prst="rect">
             <a:avLst/>
@@ -7514,7 +7613,7 @@
           <p:cNvPr id="4" name="제목 3">
             <a:extLst>
               <a:ext uri="{FF2B5EF4-FFF2-40B4-BE49-F238E27FC236}">
-                <a16:creationId xmlns:a16="http://schemas.microsoft.com/office/drawing/2014/main" id="{06788E19-EF8D-4AF3-AC50-332C4F6D50E8}"/>
+                <a16:creationId xmlns:a16="http://schemas.microsoft.com/office/drawing/2014/main" xmlns="" id="{06788E19-EF8D-4AF3-AC50-332C4F6D50E8}"/>
               </a:ext>
             </a:extLst>
           </p:cNvPr>
@@ -7542,7 +7641,7 @@
           <p:cNvPr id="5" name="텍스트 개체 틀 4">
             <a:extLst>
               <a:ext uri="{FF2B5EF4-FFF2-40B4-BE49-F238E27FC236}">
-                <a16:creationId xmlns:a16="http://schemas.microsoft.com/office/drawing/2014/main" id="{8CF1750D-3FA5-4B80-95A4-A0DB3E9D553C}"/>
+                <a16:creationId xmlns:a16="http://schemas.microsoft.com/office/drawing/2014/main" xmlns="" id="{8CF1750D-3FA5-4B80-95A4-A0DB3E9D553C}"/>
               </a:ext>
             </a:extLst>
           </p:cNvPr>
@@ -7574,7 +7673,7 @@
           <p:cNvPr id="3" name="그림 2">
             <a:extLst>
               <a:ext uri="{FF2B5EF4-FFF2-40B4-BE49-F238E27FC236}">
-                <a16:creationId xmlns:a16="http://schemas.microsoft.com/office/drawing/2014/main" id="{825FCD37-67E2-4A4B-BB06-EE67A0323B61}"/>
+                <a16:creationId xmlns:a16="http://schemas.microsoft.com/office/drawing/2014/main" xmlns="" id="{825FCD37-67E2-4A4B-BB06-EE67A0323B61}"/>
               </a:ext>
             </a:extLst>
           </p:cNvPr>
@@ -7591,8 +7690,31 @@
         </p:blipFill>
         <p:spPr>
           <a:xfrm>
-            <a:off x="3614348" y="652796"/>
+            <a:off x="879064" y="536232"/>
             <a:ext cx="4963304" cy="5940732"/>
+          </a:xfrm>
+          <a:prstGeom prst="rect">
+            <a:avLst/>
+          </a:prstGeom>
+        </p:spPr>
+      </p:pic>
+      <p:pic>
+        <p:nvPicPr>
+          <p:cNvPr id="2" name="그림 1"/>
+          <p:cNvPicPr>
+            <a:picLocks noChangeAspect="1"/>
+          </p:cNvPicPr>
+          <p:nvPr/>
+        </p:nvPicPr>
+        <p:blipFill rotWithShape="1">
+          <a:blip r:embed="rId3"/>
+          <a:srcRect l="1616"/>
+          <a:stretch/>
+        </p:blipFill>
+        <p:spPr>
+          <a:xfrm>
+            <a:off x="5877964" y="1930447"/>
+            <a:ext cx="6023523" cy="3152303"/>
           </a:xfrm>
           <a:prstGeom prst="rect">
             <a:avLst/>
@@ -7634,7 +7756,7 @@
           <p:cNvPr id="4" name="제목 3">
             <a:extLst>
               <a:ext uri="{FF2B5EF4-FFF2-40B4-BE49-F238E27FC236}">
-                <a16:creationId xmlns:a16="http://schemas.microsoft.com/office/drawing/2014/main" id="{06788E19-EF8D-4AF3-AC50-332C4F6D50E8}"/>
+                <a16:creationId xmlns:a16="http://schemas.microsoft.com/office/drawing/2014/main" xmlns="" id="{06788E19-EF8D-4AF3-AC50-332C4F6D50E8}"/>
               </a:ext>
             </a:extLst>
           </p:cNvPr>
@@ -7662,7 +7784,7 @@
           <p:cNvPr id="5" name="텍스트 개체 틀 4">
             <a:extLst>
               <a:ext uri="{FF2B5EF4-FFF2-40B4-BE49-F238E27FC236}">
-                <a16:creationId xmlns:a16="http://schemas.microsoft.com/office/drawing/2014/main" id="{8CF1750D-3FA5-4B80-95A4-A0DB3E9D553C}"/>
+                <a16:creationId xmlns:a16="http://schemas.microsoft.com/office/drawing/2014/main" xmlns="" id="{8CF1750D-3FA5-4B80-95A4-A0DB3E9D553C}"/>
               </a:ext>
             </a:extLst>
           </p:cNvPr>
@@ -7694,7 +7816,7 @@
           <p:cNvPr id="2" name="그림 1">
             <a:extLst>
               <a:ext uri="{FF2B5EF4-FFF2-40B4-BE49-F238E27FC236}">
-                <a16:creationId xmlns:a16="http://schemas.microsoft.com/office/drawing/2014/main" id="{29B4E446-1A81-4341-8C14-FF7A975EC53B}"/>
+                <a16:creationId xmlns:a16="http://schemas.microsoft.com/office/drawing/2014/main" xmlns="" id="{29B4E446-1A81-4341-8C14-FF7A975EC53B}"/>
               </a:ext>
             </a:extLst>
           </p:cNvPr>
@@ -7754,7 +7876,7 @@
           <p:cNvPr id="4" name="제목 3">
             <a:extLst>
               <a:ext uri="{FF2B5EF4-FFF2-40B4-BE49-F238E27FC236}">
-                <a16:creationId xmlns:a16="http://schemas.microsoft.com/office/drawing/2014/main" id="{06788E19-EF8D-4AF3-AC50-332C4F6D50E8}"/>
+                <a16:creationId xmlns:a16="http://schemas.microsoft.com/office/drawing/2014/main" xmlns="" id="{06788E19-EF8D-4AF3-AC50-332C4F6D50E8}"/>
               </a:ext>
             </a:extLst>
           </p:cNvPr>
@@ -7782,7 +7904,7 @@
           <p:cNvPr id="5" name="텍스트 개체 틀 4">
             <a:extLst>
               <a:ext uri="{FF2B5EF4-FFF2-40B4-BE49-F238E27FC236}">
-                <a16:creationId xmlns:a16="http://schemas.microsoft.com/office/drawing/2014/main" id="{8CF1750D-3FA5-4B80-95A4-A0DB3E9D553C}"/>
+                <a16:creationId xmlns:a16="http://schemas.microsoft.com/office/drawing/2014/main" xmlns="" id="{8CF1750D-3FA5-4B80-95A4-A0DB3E9D553C}"/>
               </a:ext>
             </a:extLst>
           </p:cNvPr>
@@ -7814,7 +7936,7 @@
           <p:cNvPr id="3" name="그림 2">
             <a:extLst>
               <a:ext uri="{FF2B5EF4-FFF2-40B4-BE49-F238E27FC236}">
-                <a16:creationId xmlns:a16="http://schemas.microsoft.com/office/drawing/2014/main" id="{75E09F4C-AADC-438A-B338-0E7518E4103F}"/>
+                <a16:creationId xmlns:a16="http://schemas.microsoft.com/office/drawing/2014/main" xmlns="" id="{75E09F4C-AADC-438A-B338-0E7518E4103F}"/>
               </a:ext>
             </a:extLst>
           </p:cNvPr>
@@ -7833,6 +7955,30 @@
           <a:xfrm>
             <a:off x="2335014" y="583525"/>
             <a:ext cx="7521972" cy="6049891"/>
+          </a:xfrm>
+          <a:prstGeom prst="rect">
+            <a:avLst/>
+          </a:prstGeom>
+        </p:spPr>
+      </p:pic>
+      <p:pic>
+        <p:nvPicPr>
+          <p:cNvPr id="2" name="그림 1"/>
+          <p:cNvPicPr>
+            <a:picLocks noChangeAspect="1"/>
+          </p:cNvPicPr>
+          <p:nvPr/>
+        </p:nvPicPr>
+        <p:blipFill>
+          <a:blip r:embed="rId3"/>
+          <a:stretch>
+            <a:fillRect/>
+          </a:stretch>
+        </p:blipFill>
+        <p:spPr>
+          <a:xfrm>
+            <a:off x="8802391" y="4846691"/>
+            <a:ext cx="3069311" cy="440503"/>
           </a:xfrm>
           <a:prstGeom prst="rect">
             <a:avLst/>
@@ -7874,7 +8020,7 @@
           <p:cNvPr id="4" name="제목 3">
             <a:extLst>
               <a:ext uri="{FF2B5EF4-FFF2-40B4-BE49-F238E27FC236}">
-                <a16:creationId xmlns:a16="http://schemas.microsoft.com/office/drawing/2014/main" id="{06788E19-EF8D-4AF3-AC50-332C4F6D50E8}"/>
+                <a16:creationId xmlns:a16="http://schemas.microsoft.com/office/drawing/2014/main" xmlns="" id="{06788E19-EF8D-4AF3-AC50-332C4F6D50E8}"/>
               </a:ext>
             </a:extLst>
           </p:cNvPr>
@@ -7902,7 +8048,7 @@
           <p:cNvPr id="5" name="텍스트 개체 틀 4">
             <a:extLst>
               <a:ext uri="{FF2B5EF4-FFF2-40B4-BE49-F238E27FC236}">
-                <a16:creationId xmlns:a16="http://schemas.microsoft.com/office/drawing/2014/main" id="{8CF1750D-3FA5-4B80-95A4-A0DB3E9D553C}"/>
+                <a16:creationId xmlns:a16="http://schemas.microsoft.com/office/drawing/2014/main" xmlns="" id="{8CF1750D-3FA5-4B80-95A4-A0DB3E9D553C}"/>
               </a:ext>
             </a:extLst>
           </p:cNvPr>
@@ -7934,7 +8080,7 @@
           <p:cNvPr id="2" name="그림 1">
             <a:extLst>
               <a:ext uri="{FF2B5EF4-FFF2-40B4-BE49-F238E27FC236}">
-                <a16:creationId xmlns:a16="http://schemas.microsoft.com/office/drawing/2014/main" id="{BF98FC5B-CD4A-44A0-B5A1-560ADCA77FD7}"/>
+                <a16:creationId xmlns:a16="http://schemas.microsoft.com/office/drawing/2014/main" xmlns="" id="{BF98FC5B-CD4A-44A0-B5A1-560ADCA77FD7}"/>
               </a:ext>
             </a:extLst>
           </p:cNvPr>
@@ -7953,6 +8099,29 @@
           <a:xfrm>
             <a:off x="470312" y="837291"/>
             <a:ext cx="11251376" cy="5183417"/>
+          </a:xfrm>
+          <a:prstGeom prst="rect">
+            <a:avLst/>
+          </a:prstGeom>
+        </p:spPr>
+      </p:pic>
+      <p:pic>
+        <p:nvPicPr>
+          <p:cNvPr id="6" name="그림 5"/>
+          <p:cNvPicPr>
+            <a:picLocks noChangeAspect="1"/>
+          </p:cNvPicPr>
+          <p:nvPr/>
+        </p:nvPicPr>
+        <p:blipFill rotWithShape="1">
+          <a:blip r:embed="rId3"/>
+          <a:srcRect l="3533"/>
+          <a:stretch/>
+        </p:blipFill>
+        <p:spPr>
+          <a:xfrm>
+            <a:off x="6100763" y="2243138"/>
+            <a:ext cx="3901844" cy="976312"/>
           </a:xfrm>
           <a:prstGeom prst="rect">
             <a:avLst/>
